--- a/Презентация.pptx
+++ b/Презентация.pptx
@@ -108,6 +108,11 @@
       </a:defRPr>
     </a:lvl9pPr>
   </p:defaultTextStyle>
+  <p:extLst>
+    <p:ext uri="{EFAFB233-063F-42B5-8137-9DF3F51BA10A}">
+      <p15:sldGuideLst xmlns:p15="http://schemas.microsoft.com/office/powerpoint/2012/main"/>
+    </p:ext>
+  </p:extLst>
 </p:presentation>
 </file>
 
@@ -258,7 +263,7 @@
           <a:p>
             <a:fld id="{9653B589-3711-45FE-90E6-FBC8732C2B4C}" type="datetimeFigureOut">
               <a:rPr lang="ru-RU" smtClean="0"/>
-              <a:t>05.01.2024</a:t>
+              <a:t>12.01.2024</a:t>
             </a:fld>
             <a:endParaRPr lang="ru-RU"/>
           </a:p>
@@ -456,7 +461,7 @@
           <a:p>
             <a:fld id="{9653B589-3711-45FE-90E6-FBC8732C2B4C}" type="datetimeFigureOut">
               <a:rPr lang="ru-RU" smtClean="0"/>
-              <a:t>05.01.2024</a:t>
+              <a:t>12.01.2024</a:t>
             </a:fld>
             <a:endParaRPr lang="ru-RU"/>
           </a:p>
@@ -664,7 +669,7 @@
           <a:p>
             <a:fld id="{9653B589-3711-45FE-90E6-FBC8732C2B4C}" type="datetimeFigureOut">
               <a:rPr lang="ru-RU" smtClean="0"/>
-              <a:t>05.01.2024</a:t>
+              <a:t>12.01.2024</a:t>
             </a:fld>
             <a:endParaRPr lang="ru-RU"/>
           </a:p>
@@ -862,7 +867,7 @@
           <a:p>
             <a:fld id="{9653B589-3711-45FE-90E6-FBC8732C2B4C}" type="datetimeFigureOut">
               <a:rPr lang="ru-RU" smtClean="0"/>
-              <a:t>05.01.2024</a:t>
+              <a:t>12.01.2024</a:t>
             </a:fld>
             <a:endParaRPr lang="ru-RU"/>
           </a:p>
@@ -1137,7 +1142,7 @@
           <a:p>
             <a:fld id="{9653B589-3711-45FE-90E6-FBC8732C2B4C}" type="datetimeFigureOut">
               <a:rPr lang="ru-RU" smtClean="0"/>
-              <a:t>05.01.2024</a:t>
+              <a:t>12.01.2024</a:t>
             </a:fld>
             <a:endParaRPr lang="ru-RU"/>
           </a:p>
@@ -1402,7 +1407,7 @@
           <a:p>
             <a:fld id="{9653B589-3711-45FE-90E6-FBC8732C2B4C}" type="datetimeFigureOut">
               <a:rPr lang="ru-RU" smtClean="0"/>
-              <a:t>05.01.2024</a:t>
+              <a:t>12.01.2024</a:t>
             </a:fld>
             <a:endParaRPr lang="ru-RU"/>
           </a:p>
@@ -1814,7 +1819,7 @@
           <a:p>
             <a:fld id="{9653B589-3711-45FE-90E6-FBC8732C2B4C}" type="datetimeFigureOut">
               <a:rPr lang="ru-RU" smtClean="0"/>
-              <a:t>05.01.2024</a:t>
+              <a:t>12.01.2024</a:t>
             </a:fld>
             <a:endParaRPr lang="ru-RU"/>
           </a:p>
@@ -1955,7 +1960,7 @@
           <a:p>
             <a:fld id="{9653B589-3711-45FE-90E6-FBC8732C2B4C}" type="datetimeFigureOut">
               <a:rPr lang="ru-RU" smtClean="0"/>
-              <a:t>05.01.2024</a:t>
+              <a:t>12.01.2024</a:t>
             </a:fld>
             <a:endParaRPr lang="ru-RU"/>
           </a:p>
@@ -2068,7 +2073,7 @@
           <a:p>
             <a:fld id="{9653B589-3711-45FE-90E6-FBC8732C2B4C}" type="datetimeFigureOut">
               <a:rPr lang="ru-RU" smtClean="0"/>
-              <a:t>05.01.2024</a:t>
+              <a:t>12.01.2024</a:t>
             </a:fld>
             <a:endParaRPr lang="ru-RU"/>
           </a:p>
@@ -2379,7 +2384,7 @@
           <a:p>
             <a:fld id="{9653B589-3711-45FE-90E6-FBC8732C2B4C}" type="datetimeFigureOut">
               <a:rPr lang="ru-RU" smtClean="0"/>
-              <a:t>05.01.2024</a:t>
+              <a:t>12.01.2024</a:t>
             </a:fld>
             <a:endParaRPr lang="ru-RU"/>
           </a:p>
@@ -2667,7 +2672,7 @@
           <a:p>
             <a:fld id="{9653B589-3711-45FE-90E6-FBC8732C2B4C}" type="datetimeFigureOut">
               <a:rPr lang="ru-RU" smtClean="0"/>
-              <a:t>05.01.2024</a:t>
+              <a:t>12.01.2024</a:t>
             </a:fld>
             <a:endParaRPr lang="ru-RU"/>
           </a:p>
@@ -2908,7 +2913,7 @@
           <a:p>
             <a:fld id="{9653B589-3711-45FE-90E6-FBC8732C2B4C}" type="datetimeFigureOut">
               <a:rPr lang="ru-RU" smtClean="0"/>
-              <a:t>05.01.2024</a:t>
+              <a:t>12.01.2024</a:t>
             </a:fld>
             <a:endParaRPr lang="ru-RU"/>
           </a:p>
@@ -3749,14 +3754,25 @@
             <p:ph idx="1"/>
           </p:nvPr>
         </p:nvSpPr>
-        <p:spPr/>
+        <p:spPr>
+          <a:xfrm>
+            <a:off x="838200" y="1426129"/>
+            <a:ext cx="10515600" cy="5243120"/>
+          </a:xfrm>
+        </p:spPr>
         <p:txBody>
           <a:bodyPr>
-            <a:normAutofit/>
+            <a:normAutofit fontScale="92500" lnSpcReduction="20000"/>
           </a:bodyPr>
           <a:lstStyle/>
           <a:p>
             <a:pPr marL="0" indent="0">
+              <a:lnSpc>
+                <a:spcPct val="70000"/>
+              </a:lnSpc>
+              <a:spcAft>
+                <a:spcPts val="800"/>
+              </a:spcAft>
               <a:buNone/>
             </a:pPr>
             <a:r>
@@ -3766,7 +3782,36 @@
                 <a:ea typeface="Calibri" panose="020F0502020204030204" pitchFamily="34" charset="0"/>
                 <a:cs typeface="Times New Roman" panose="02020603050405020304" pitchFamily="18" charset="0"/>
               </a:rPr>
-              <a:t>Требуется: реализовать игру, жанра </a:t>
+              <a:t>Правила:</a:t>
+            </a:r>
+          </a:p>
+          <a:p>
+            <a:pPr marL="0" indent="0">
+              <a:lnSpc>
+                <a:spcPct val="70000"/>
+              </a:lnSpc>
+              <a:spcAft>
+                <a:spcPts val="800"/>
+              </a:spcAft>
+              <a:buNone/>
+            </a:pPr>
+            <a:r>
+              <a:rPr lang="ru-RU" sz="2400" dirty="0" err="1">
+                <a:effectLst/>
+                <a:latin typeface="Times New Roman" panose="02020603050405020304" pitchFamily="18" charset="0"/>
+                <a:ea typeface="Calibri" panose="020F0502020204030204" pitchFamily="34" charset="0"/>
+                <a:cs typeface="Times New Roman" panose="02020603050405020304" pitchFamily="18" charset="0"/>
+              </a:rPr>
+              <a:t>Cube</a:t>
+            </a:r>
+            <a:r>
+              <a:rPr lang="ru-RU" sz="2400" dirty="0">
+                <a:effectLst/>
+                <a:latin typeface="Times New Roman" panose="02020603050405020304" pitchFamily="18" charset="0"/>
+                <a:ea typeface="Calibri" panose="020F0502020204030204" pitchFamily="34" charset="0"/>
+                <a:cs typeface="Times New Roman" panose="02020603050405020304" pitchFamily="18" charset="0"/>
+              </a:rPr>
+              <a:t> — игра жанра </a:t>
             </a:r>
             <a:r>
               <a:rPr lang="ru-RU" sz="2400" dirty="0" err="1">
@@ -3784,16 +3829,39 @@
                 <a:ea typeface="Calibri" panose="020F0502020204030204" pitchFamily="34" charset="0"/>
                 <a:cs typeface="Times New Roman" panose="02020603050405020304" pitchFamily="18" charset="0"/>
               </a:rPr>
-              <a:t>, используя Pygame. </a:t>
-            </a:r>
-            <a:br>
+              <a:t>.</a:t>
+            </a:r>
+          </a:p>
+          <a:p>
+            <a:pPr marL="0" indent="0">
+              <a:lnSpc>
+                <a:spcPct val="70000"/>
+              </a:lnSpc>
+              <a:spcAft>
+                <a:spcPts val="800"/>
+              </a:spcAft>
+              <a:buNone/>
+            </a:pPr>
+            <a:r>
               <a:rPr lang="ru-RU" sz="2400" dirty="0">
                 <a:effectLst/>
                 <a:latin typeface="Times New Roman" panose="02020603050405020304" pitchFamily="18" charset="0"/>
                 <a:ea typeface="Calibri" panose="020F0502020204030204" pitchFamily="34" charset="0"/>
                 <a:cs typeface="Times New Roman" panose="02020603050405020304" pitchFamily="18" charset="0"/>
               </a:rPr>
-            </a:br>
+              <a:t>Враги движутся в сторону игрока. </a:t>
+            </a:r>
+          </a:p>
+          <a:p>
+            <a:pPr marL="0" indent="0">
+              <a:lnSpc>
+                <a:spcPct val="70000"/>
+              </a:lnSpc>
+              <a:spcAft>
+                <a:spcPts val="800"/>
+              </a:spcAft>
+              <a:buNone/>
+            </a:pPr>
             <a:r>
               <a:rPr lang="ru-RU" sz="2400" dirty="0">
                 <a:effectLst/>
@@ -3801,16 +3869,39 @@
                 <a:ea typeface="Calibri" panose="020F0502020204030204" pitchFamily="34" charset="0"/>
                 <a:cs typeface="Times New Roman" panose="02020603050405020304" pitchFamily="18" charset="0"/>
               </a:rPr>
-              <a:t>        Реализовать основные механики жанра такие как:</a:t>
-            </a:r>
-            <a:br>
+              <a:t>Игрок постоянно с определённой периодичностью стреляет в сторону курсора.</a:t>
+            </a:r>
+          </a:p>
+          <a:p>
+            <a:pPr marL="0" indent="0">
+              <a:lnSpc>
+                <a:spcPct val="70000"/>
+              </a:lnSpc>
+              <a:spcAft>
+                <a:spcPts val="800"/>
+              </a:spcAft>
+              <a:buNone/>
+            </a:pPr>
+            <a:r>
               <a:rPr lang="ru-RU" sz="2400" dirty="0">
                 <a:effectLst/>
                 <a:latin typeface="Times New Roman" panose="02020603050405020304" pitchFamily="18" charset="0"/>
                 <a:ea typeface="Calibri" panose="020F0502020204030204" pitchFamily="34" charset="0"/>
                 <a:cs typeface="Times New Roman" panose="02020603050405020304" pitchFamily="18" charset="0"/>
               </a:rPr>
-            </a:br>
+              <a:t>Чтобы убить врага, нужно выстрелить в него 3 раза.</a:t>
+            </a:r>
+          </a:p>
+          <a:p>
+            <a:pPr marL="0" indent="0">
+              <a:lnSpc>
+                <a:spcPct val="70000"/>
+              </a:lnSpc>
+              <a:spcAft>
+                <a:spcPts val="800"/>
+              </a:spcAft>
+              <a:buNone/>
+            </a:pPr>
             <a:r>
               <a:rPr lang="ru-RU" sz="2400" dirty="0">
                 <a:effectLst/>
@@ -3818,16 +3909,39 @@
                 <a:ea typeface="Calibri" panose="020F0502020204030204" pitchFamily="34" charset="0"/>
                 <a:cs typeface="Times New Roman" panose="02020603050405020304" pitchFamily="18" charset="0"/>
               </a:rPr>
-              <a:t>                    постепенной нарастания сложности, постепенная прогрессия персонажа,</a:t>
-            </a:r>
-            <a:br>
+              <a:t>При каждом убийстве шкала наверху заполняется всё больше и больше.</a:t>
+            </a:r>
+          </a:p>
+          <a:p>
+            <a:pPr marL="0" indent="0">
+              <a:lnSpc>
+                <a:spcPct val="70000"/>
+              </a:lnSpc>
+              <a:spcAft>
+                <a:spcPts val="800"/>
+              </a:spcAft>
+              <a:buNone/>
+            </a:pPr>
+            <a:r>
               <a:rPr lang="ru-RU" sz="2400" dirty="0">
                 <a:effectLst/>
                 <a:latin typeface="Times New Roman" panose="02020603050405020304" pitchFamily="18" charset="0"/>
                 <a:ea typeface="Calibri" panose="020F0502020204030204" pitchFamily="34" charset="0"/>
                 <a:cs typeface="Times New Roman" panose="02020603050405020304" pitchFamily="18" charset="0"/>
               </a:rPr>
-            </a:br>
+              <a:t>Когда она заполнится игроку будет доступен выбор из трёх улучшений.</a:t>
+            </a:r>
+          </a:p>
+          <a:p>
+            <a:pPr marL="0" indent="0">
+              <a:lnSpc>
+                <a:spcPct val="70000"/>
+              </a:lnSpc>
+              <a:spcAft>
+                <a:spcPts val="800"/>
+              </a:spcAft>
+              <a:buNone/>
+            </a:pPr>
             <a:r>
               <a:rPr lang="ru-RU" sz="2400" dirty="0">
                 <a:effectLst/>
@@ -3835,17 +3949,25 @@
                 <a:ea typeface="Calibri" panose="020F0502020204030204" pitchFamily="34" charset="0"/>
                 <a:cs typeface="Times New Roman" panose="02020603050405020304" pitchFamily="18" charset="0"/>
               </a:rPr>
-              <a:t>        добавление различных улучшений (улучшения будут реализованы через спрайты, когда игрок будет к ним подходить, то произойдёт </a:t>
-            </a:r>
-            <a:r>
-              <a:rPr lang="ru-RU" sz="2400" dirty="0" err="1">
-                <a:effectLst/>
-                <a:latin typeface="Times New Roman" panose="02020603050405020304" pitchFamily="18" charset="0"/>
-                <a:ea typeface="Calibri" panose="020F0502020204030204" pitchFamily="34" charset="0"/>
-                <a:cs typeface="Times New Roman" panose="02020603050405020304" pitchFamily="18" charset="0"/>
-              </a:rPr>
-              <a:t>коллайд</a:t>
-            </a:r>
+              <a:t>Если игрок подойдёт слишком близко к врагу, то потеряет очко здоровья, а враг</a:t>
+            </a:r>
+            <a:endParaRPr lang="en-US" sz="2400" dirty="0">
+              <a:effectLst/>
+              <a:latin typeface="Times New Roman" panose="02020603050405020304" pitchFamily="18" charset="0"/>
+              <a:ea typeface="Calibri" panose="020F0502020204030204" pitchFamily="34" charset="0"/>
+              <a:cs typeface="Times New Roman" panose="02020603050405020304" pitchFamily="18" charset="0"/>
+            </a:endParaRPr>
+          </a:p>
+          <a:p>
+            <a:pPr marL="0" indent="0">
+              <a:lnSpc>
+                <a:spcPct val="70000"/>
+              </a:lnSpc>
+              <a:spcAft>
+                <a:spcPts val="800"/>
+              </a:spcAft>
+              <a:buNone/>
+            </a:pPr>
             <a:r>
               <a:rPr lang="ru-RU" sz="2400" dirty="0">
                 <a:effectLst/>
@@ -3853,16 +3975,39 @@
                 <a:ea typeface="Calibri" panose="020F0502020204030204" pitchFamily="34" charset="0"/>
                 <a:cs typeface="Times New Roman" panose="02020603050405020304" pitchFamily="18" charset="0"/>
               </a:rPr>
-              <a:t> и спрайт исчезнет),</a:t>
-            </a:r>
-            <a:br>
+              <a:t>исчезнет.</a:t>
+            </a:r>
+          </a:p>
+          <a:p>
+            <a:pPr marL="0" indent="0">
+              <a:lnSpc>
+                <a:spcPct val="70000"/>
+              </a:lnSpc>
+              <a:spcAft>
+                <a:spcPts val="800"/>
+              </a:spcAft>
+              <a:buNone/>
+            </a:pPr>
+            <a:r>
               <a:rPr lang="ru-RU" sz="2400" dirty="0">
                 <a:effectLst/>
                 <a:latin typeface="Times New Roman" panose="02020603050405020304" pitchFamily="18" charset="0"/>
                 <a:ea typeface="Calibri" panose="020F0502020204030204" pitchFamily="34" charset="0"/>
                 <a:cs typeface="Times New Roman" panose="02020603050405020304" pitchFamily="18" charset="0"/>
               </a:rPr>
-            </a:br>
+              <a:t>У игрока 3 очка здоровья.</a:t>
+            </a:r>
+          </a:p>
+          <a:p>
+            <a:pPr marL="0" indent="0">
+              <a:lnSpc>
+                <a:spcPct val="70000"/>
+              </a:lnSpc>
+              <a:spcAft>
+                <a:spcPts val="800"/>
+              </a:spcAft>
+              <a:buNone/>
+            </a:pPr>
             <a:r>
               <a:rPr lang="ru-RU" sz="2400" dirty="0">
                 <a:effectLst/>
@@ -3870,25 +4015,13 @@
                 <a:ea typeface="Calibri" panose="020F0502020204030204" pitchFamily="34" charset="0"/>
                 <a:cs typeface="Times New Roman" panose="02020603050405020304" pitchFamily="18" charset="0"/>
               </a:rPr>
-              <a:t>        реализация возможности бесконечной игры (чем больше времени прошло с начала игры, тем сложнее будут противники).</a:t>
-            </a:r>
-            <a:br>
-              <a:rPr lang="ru-RU" sz="2400" dirty="0">
-                <a:effectLst/>
-                <a:latin typeface="Times New Roman" panose="02020603050405020304" pitchFamily="18" charset="0"/>
-                <a:ea typeface="Calibri" panose="020F0502020204030204" pitchFamily="34" charset="0"/>
-                <a:cs typeface="Times New Roman" panose="02020603050405020304" pitchFamily="18" charset="0"/>
-              </a:rPr>
-            </a:br>
-            <a:r>
-              <a:rPr lang="ru-RU" sz="2400" dirty="0">
-                <a:effectLst/>
-                <a:latin typeface="Times New Roman" panose="02020603050405020304" pitchFamily="18" charset="0"/>
-                <a:ea typeface="Calibri" panose="020F0502020204030204" pitchFamily="34" charset="0"/>
-                <a:cs typeface="Times New Roman" panose="02020603050405020304" pitchFamily="18" charset="0"/>
-              </a:rPr>
-              <a:t>        Реализовать интерфейс игры (создать начальное окно, финальное и поле, где будет происходить игра)</a:t>
-            </a:r>
+              <a:t> </a:t>
+            </a:r>
+          </a:p>
+          <a:p>
+            <a:pPr marL="0" indent="0">
+              <a:buNone/>
+            </a:pPr>
             <a:br>
               <a:rPr lang="ru-RU" sz="2400" dirty="0">
                 <a:effectLst/>
@@ -3992,6 +4125,12 @@
           <a:lstStyle/>
           <a:p>
             <a:pPr marL="0" indent="0">
+              <a:lnSpc>
+                <a:spcPct val="107000"/>
+              </a:lnSpc>
+              <a:spcAft>
+                <a:spcPts val="800"/>
+              </a:spcAft>
               <a:buNone/>
             </a:pPr>
             <a:r>
@@ -4001,101 +4140,33 @@
                 <a:ea typeface="Calibri" panose="020F0502020204030204" pitchFamily="34" charset="0"/>
                 <a:cs typeface="Times New Roman" panose="02020603050405020304" pitchFamily="18" charset="0"/>
               </a:rPr>
-              <a:t>Удар игрока направлен в одну сторону, куда смотрит. У разных противников будут разные атаки.</a:t>
-            </a:r>
-            <a:br>
+              <a:t>Враги и игрок реализованы на спрайтах. Начальный экран реализован на функции.</a:t>
+            </a:r>
+            <a:endParaRPr lang="ru-RU" sz="2400" dirty="0">
+              <a:effectLst/>
+              <a:latin typeface="Calibri" panose="020F0502020204030204" pitchFamily="34" charset="0"/>
+              <a:ea typeface="Calibri" panose="020F0502020204030204" pitchFamily="34" charset="0"/>
+              <a:cs typeface="Times New Roman" panose="02020603050405020304" pitchFamily="18" charset="0"/>
+            </a:endParaRPr>
+          </a:p>
+          <a:p>
+            <a:pPr marL="0" indent="0">
+              <a:lnSpc>
+                <a:spcPct val="107000"/>
+              </a:lnSpc>
+              <a:spcAft>
+                <a:spcPts val="800"/>
+              </a:spcAft>
+              <a:buNone/>
+            </a:pPr>
+            <a:r>
               <a:rPr lang="ru-RU" sz="2400" dirty="0">
                 <a:effectLst/>
                 <a:latin typeface="Times New Roman" panose="02020603050405020304" pitchFamily="18" charset="0"/>
                 <a:ea typeface="Calibri" panose="020F0502020204030204" pitchFamily="34" charset="0"/>
                 <a:cs typeface="Times New Roman" panose="02020603050405020304" pitchFamily="18" charset="0"/>
               </a:rPr>
-            </a:br>
-            <a:r>
-              <a:rPr lang="ru-RU" sz="2400" dirty="0">
-                <a:effectLst/>
-                <a:latin typeface="Times New Roman" panose="02020603050405020304" pitchFamily="18" charset="0"/>
-                <a:ea typeface="Calibri" panose="020F0502020204030204" pitchFamily="34" charset="0"/>
-                <a:cs typeface="Times New Roman" panose="02020603050405020304" pitchFamily="18" charset="0"/>
-              </a:rPr>
-              <a:t>        Реализовать ИИ врагов (с помощью алгоритмов)</a:t>
-            </a:r>
-            <a:br>
-              <a:rPr lang="ru-RU" sz="2400" dirty="0">
-                <a:effectLst/>
-                <a:latin typeface="Times New Roman" panose="02020603050405020304" pitchFamily="18" charset="0"/>
-                <a:ea typeface="Calibri" panose="020F0502020204030204" pitchFamily="34" charset="0"/>
-                <a:cs typeface="Times New Roman" panose="02020603050405020304" pitchFamily="18" charset="0"/>
-              </a:rPr>
-            </a:br>
-            <a:r>
-              <a:rPr lang="ru-RU" sz="2400" dirty="0">
-                <a:effectLst/>
-                <a:latin typeface="Times New Roman" panose="02020603050405020304" pitchFamily="18" charset="0"/>
-                <a:ea typeface="Calibri" panose="020F0502020204030204" pitchFamily="34" charset="0"/>
-                <a:cs typeface="Times New Roman" panose="02020603050405020304" pitchFamily="18" charset="0"/>
-              </a:rPr>
-              <a:t>        Враги и игрок будут реализованы через спрайты</a:t>
-            </a:r>
-            <a:br>
-              <a:rPr lang="ru-RU" sz="2400" dirty="0">
-                <a:effectLst/>
-                <a:latin typeface="Times New Roman" panose="02020603050405020304" pitchFamily="18" charset="0"/>
-                <a:ea typeface="Calibri" panose="020F0502020204030204" pitchFamily="34" charset="0"/>
-                <a:cs typeface="Times New Roman" panose="02020603050405020304" pitchFamily="18" charset="0"/>
-              </a:rPr>
-            </a:br>
-            <a:r>
-              <a:rPr lang="ru-RU" sz="2400" dirty="0">
-                <a:effectLst/>
-                <a:latin typeface="Times New Roman" panose="02020603050405020304" pitchFamily="18" charset="0"/>
-                <a:ea typeface="Calibri" panose="020F0502020204030204" pitchFamily="34" charset="0"/>
-                <a:cs typeface="Times New Roman" panose="02020603050405020304" pitchFamily="18" charset="0"/>
-              </a:rPr>
-              <a:t>        Реализовать сохранение результатов (таблица лидеров) используя </a:t>
-            </a:r>
-            <a:r>
-              <a:rPr lang="ru-RU" sz="2400" dirty="0" err="1">
-                <a:effectLst/>
-                <a:latin typeface="Times New Roman" panose="02020603050405020304" pitchFamily="18" charset="0"/>
-                <a:ea typeface="Calibri" panose="020F0502020204030204" pitchFamily="34" charset="0"/>
-                <a:cs typeface="Times New Roman" panose="02020603050405020304" pitchFamily="18" charset="0"/>
-              </a:rPr>
-              <a:t>sqlite</a:t>
-            </a:r>
-            <a:br>
-              <a:rPr lang="ru-RU" sz="2400" dirty="0">
-                <a:effectLst/>
-                <a:latin typeface="Times New Roman" panose="02020603050405020304" pitchFamily="18" charset="0"/>
-                <a:ea typeface="Calibri" panose="020F0502020204030204" pitchFamily="34" charset="0"/>
-                <a:cs typeface="Times New Roman" panose="02020603050405020304" pitchFamily="18" charset="0"/>
-              </a:rPr>
-            </a:br>
-            <a:r>
-              <a:rPr lang="ru-RU" sz="2400" dirty="0">
-                <a:effectLst/>
-                <a:latin typeface="Times New Roman" panose="02020603050405020304" pitchFamily="18" charset="0"/>
-                <a:ea typeface="Calibri" panose="020F0502020204030204" pitchFamily="34" charset="0"/>
-                <a:cs typeface="Times New Roman" panose="02020603050405020304" pitchFamily="18" charset="0"/>
-              </a:rPr>
-              <a:t>        Кнопка для просмотра таблицы лидеров будет расположена внизу и будет реализована спрайтом.</a:t>
-            </a:r>
-            <a:br>
-              <a:rPr lang="ru-RU" sz="2400" dirty="0">
-                <a:effectLst/>
-                <a:latin typeface="Times New Roman" panose="02020603050405020304" pitchFamily="18" charset="0"/>
-                <a:ea typeface="Calibri" panose="020F0502020204030204" pitchFamily="34" charset="0"/>
-                <a:cs typeface="Times New Roman" panose="02020603050405020304" pitchFamily="18" charset="0"/>
-              </a:rPr>
-            </a:br>
-            <a:r>
-              <a:rPr lang="ru-RU" sz="2400" dirty="0">
-                <a:effectLst/>
-                <a:latin typeface="Times New Roman" panose="02020603050405020304" pitchFamily="18" charset="0"/>
-                <a:ea typeface="Calibri" panose="020F0502020204030204" pitchFamily="34" charset="0"/>
-                <a:cs typeface="Times New Roman" panose="02020603050405020304" pitchFamily="18" charset="0"/>
-              </a:rPr>
-              <a:t>        Добавить различные элементы дизайна (изображения, препятствия, несколько уровней)</a:t>
+              <a:t>На начальном экране написаны правила.</a:t>
             </a:r>
             <a:endParaRPr lang="ru-RU" sz="2400" dirty="0">
               <a:effectLst/>

--- a/Презентация.pptx
+++ b/Презентация.pptx
@@ -9,7 +9,9 @@
     <p:sldId id="258" r:id="rId3"/>
     <p:sldId id="259" r:id="rId4"/>
     <p:sldId id="260" r:id="rId5"/>
-    <p:sldId id="261" r:id="rId6"/>
+    <p:sldId id="262" r:id="rId6"/>
+    <p:sldId id="263" r:id="rId7"/>
+    <p:sldId id="261" r:id="rId8"/>
   </p:sldIdLst>
   <p:sldSz cx="12192000" cy="6858000"/>
   <p:notesSz cx="6858000" cy="9144000"/>
@@ -263,7 +265,7 @@
           <a:p>
             <a:fld id="{9653B589-3711-45FE-90E6-FBC8732C2B4C}" type="datetimeFigureOut">
               <a:rPr lang="ru-RU" smtClean="0"/>
-              <a:t>12.01.2024</a:t>
+              <a:t>18.01.2024</a:t>
             </a:fld>
             <a:endParaRPr lang="ru-RU"/>
           </a:p>
@@ -461,7 +463,7 @@
           <a:p>
             <a:fld id="{9653B589-3711-45FE-90E6-FBC8732C2B4C}" type="datetimeFigureOut">
               <a:rPr lang="ru-RU" smtClean="0"/>
-              <a:t>12.01.2024</a:t>
+              <a:t>18.01.2024</a:t>
             </a:fld>
             <a:endParaRPr lang="ru-RU"/>
           </a:p>
@@ -669,7 +671,7 @@
           <a:p>
             <a:fld id="{9653B589-3711-45FE-90E6-FBC8732C2B4C}" type="datetimeFigureOut">
               <a:rPr lang="ru-RU" smtClean="0"/>
-              <a:t>12.01.2024</a:t>
+              <a:t>18.01.2024</a:t>
             </a:fld>
             <a:endParaRPr lang="ru-RU"/>
           </a:p>
@@ -867,7 +869,7 @@
           <a:p>
             <a:fld id="{9653B589-3711-45FE-90E6-FBC8732C2B4C}" type="datetimeFigureOut">
               <a:rPr lang="ru-RU" smtClean="0"/>
-              <a:t>12.01.2024</a:t>
+              <a:t>18.01.2024</a:t>
             </a:fld>
             <a:endParaRPr lang="ru-RU"/>
           </a:p>
@@ -1142,7 +1144,7 @@
           <a:p>
             <a:fld id="{9653B589-3711-45FE-90E6-FBC8732C2B4C}" type="datetimeFigureOut">
               <a:rPr lang="ru-RU" smtClean="0"/>
-              <a:t>12.01.2024</a:t>
+              <a:t>18.01.2024</a:t>
             </a:fld>
             <a:endParaRPr lang="ru-RU"/>
           </a:p>
@@ -1407,7 +1409,7 @@
           <a:p>
             <a:fld id="{9653B589-3711-45FE-90E6-FBC8732C2B4C}" type="datetimeFigureOut">
               <a:rPr lang="ru-RU" smtClean="0"/>
-              <a:t>12.01.2024</a:t>
+              <a:t>18.01.2024</a:t>
             </a:fld>
             <a:endParaRPr lang="ru-RU"/>
           </a:p>
@@ -1819,7 +1821,7 @@
           <a:p>
             <a:fld id="{9653B589-3711-45FE-90E6-FBC8732C2B4C}" type="datetimeFigureOut">
               <a:rPr lang="ru-RU" smtClean="0"/>
-              <a:t>12.01.2024</a:t>
+              <a:t>18.01.2024</a:t>
             </a:fld>
             <a:endParaRPr lang="ru-RU"/>
           </a:p>
@@ -1960,7 +1962,7 @@
           <a:p>
             <a:fld id="{9653B589-3711-45FE-90E6-FBC8732C2B4C}" type="datetimeFigureOut">
               <a:rPr lang="ru-RU" smtClean="0"/>
-              <a:t>12.01.2024</a:t>
+              <a:t>18.01.2024</a:t>
             </a:fld>
             <a:endParaRPr lang="ru-RU"/>
           </a:p>
@@ -2073,7 +2075,7 @@
           <a:p>
             <a:fld id="{9653B589-3711-45FE-90E6-FBC8732C2B4C}" type="datetimeFigureOut">
               <a:rPr lang="ru-RU" smtClean="0"/>
-              <a:t>12.01.2024</a:t>
+              <a:t>18.01.2024</a:t>
             </a:fld>
             <a:endParaRPr lang="ru-RU"/>
           </a:p>
@@ -2384,7 +2386,7 @@
           <a:p>
             <a:fld id="{9653B589-3711-45FE-90E6-FBC8732C2B4C}" type="datetimeFigureOut">
               <a:rPr lang="ru-RU" smtClean="0"/>
-              <a:t>12.01.2024</a:t>
+              <a:t>18.01.2024</a:t>
             </a:fld>
             <a:endParaRPr lang="ru-RU"/>
           </a:p>
@@ -2672,7 +2674,7 @@
           <a:p>
             <a:fld id="{9653B589-3711-45FE-90E6-FBC8732C2B4C}" type="datetimeFigureOut">
               <a:rPr lang="ru-RU" smtClean="0"/>
-              <a:t>12.01.2024</a:t>
+              <a:t>18.01.2024</a:t>
             </a:fld>
             <a:endParaRPr lang="ru-RU"/>
           </a:p>
@@ -2913,7 +2915,7 @@
           <a:p>
             <a:fld id="{9653B589-3711-45FE-90E6-FBC8732C2B4C}" type="datetimeFigureOut">
               <a:rPr lang="ru-RU" smtClean="0"/>
-              <a:t>12.01.2024</a:t>
+              <a:t>18.01.2024</a:t>
             </a:fld>
             <a:endParaRPr lang="ru-RU"/>
           </a:p>
@@ -3762,13 +3764,13 @@
         </p:spPr>
         <p:txBody>
           <a:bodyPr>
-            <a:normAutofit fontScale="92500" lnSpcReduction="20000"/>
+            <a:normAutofit/>
           </a:bodyPr>
           <a:lstStyle/>
           <a:p>
             <a:pPr marL="0" indent="0">
               <a:lnSpc>
-                <a:spcPct val="70000"/>
+                <a:spcPct val="107000"/>
               </a:lnSpc>
               <a:spcAft>
                 <a:spcPts val="800"/>
@@ -3784,11 +3786,17 @@
               </a:rPr>
               <a:t>Правила:</a:t>
             </a:r>
+            <a:endParaRPr lang="ru-RU" sz="1200" dirty="0">
+              <a:effectLst/>
+              <a:latin typeface="Calibri" panose="020F0502020204030204" pitchFamily="34" charset="0"/>
+              <a:ea typeface="Calibri" panose="020F0502020204030204" pitchFamily="34" charset="0"/>
+              <a:cs typeface="Times New Roman" panose="02020603050405020304" pitchFamily="18" charset="0"/>
+            </a:endParaRPr>
           </a:p>
           <a:p>
             <a:pPr marL="0" indent="0">
               <a:lnSpc>
-                <a:spcPct val="70000"/>
+                <a:spcPct val="107000"/>
               </a:lnSpc>
               <a:spcAft>
                 <a:spcPts val="800"/>
@@ -3831,11 +3839,17 @@
               </a:rPr>
               <a:t>.</a:t>
             </a:r>
+            <a:endParaRPr lang="ru-RU" sz="1200" dirty="0">
+              <a:effectLst/>
+              <a:latin typeface="Calibri" panose="020F0502020204030204" pitchFamily="34" charset="0"/>
+              <a:ea typeface="Calibri" panose="020F0502020204030204" pitchFamily="34" charset="0"/>
+              <a:cs typeface="Times New Roman" panose="02020603050405020304" pitchFamily="18" charset="0"/>
+            </a:endParaRPr>
           </a:p>
           <a:p>
             <a:pPr marL="0" indent="0">
               <a:lnSpc>
-                <a:spcPct val="70000"/>
+                <a:spcPct val="107000"/>
               </a:lnSpc>
               <a:spcAft>
                 <a:spcPts val="800"/>
@@ -3849,13 +3863,19 @@
                 <a:ea typeface="Calibri" panose="020F0502020204030204" pitchFamily="34" charset="0"/>
                 <a:cs typeface="Times New Roman" panose="02020603050405020304" pitchFamily="18" charset="0"/>
               </a:rPr>
-              <a:t>Враги движутся в сторону игрока. </a:t>
-            </a:r>
+              <a:t>Враги движутся в сторону игрока.</a:t>
+            </a:r>
+            <a:endParaRPr lang="ru-RU" sz="1200" dirty="0">
+              <a:effectLst/>
+              <a:latin typeface="Calibri" panose="020F0502020204030204" pitchFamily="34" charset="0"/>
+              <a:ea typeface="Calibri" panose="020F0502020204030204" pitchFamily="34" charset="0"/>
+              <a:cs typeface="Times New Roman" panose="02020603050405020304" pitchFamily="18" charset="0"/>
+            </a:endParaRPr>
           </a:p>
           <a:p>
             <a:pPr marL="0" indent="0">
               <a:lnSpc>
-                <a:spcPct val="70000"/>
+                <a:spcPct val="107000"/>
               </a:lnSpc>
               <a:spcAft>
                 <a:spcPts val="800"/>
@@ -3871,11 +3891,17 @@
               </a:rPr>
               <a:t>Игрок постоянно с определённой периодичностью стреляет в сторону курсора.</a:t>
             </a:r>
+            <a:endParaRPr lang="ru-RU" sz="1200" dirty="0">
+              <a:effectLst/>
+              <a:latin typeface="Calibri" panose="020F0502020204030204" pitchFamily="34" charset="0"/>
+              <a:ea typeface="Calibri" panose="020F0502020204030204" pitchFamily="34" charset="0"/>
+              <a:cs typeface="Times New Roman" panose="02020603050405020304" pitchFamily="18" charset="0"/>
+            </a:endParaRPr>
           </a:p>
           <a:p>
             <a:pPr marL="0" indent="0">
               <a:lnSpc>
-                <a:spcPct val="70000"/>
+                <a:spcPct val="107000"/>
               </a:lnSpc>
               <a:spcAft>
                 <a:spcPts val="800"/>
@@ -3891,11 +3917,17 @@
               </a:rPr>
               <a:t>Чтобы убить врага, нужно выстрелить в него 3 раза.</a:t>
             </a:r>
+            <a:endParaRPr lang="ru-RU" sz="1200" dirty="0">
+              <a:effectLst/>
+              <a:latin typeface="Calibri" panose="020F0502020204030204" pitchFamily="34" charset="0"/>
+              <a:ea typeface="Calibri" panose="020F0502020204030204" pitchFamily="34" charset="0"/>
+              <a:cs typeface="Times New Roman" panose="02020603050405020304" pitchFamily="18" charset="0"/>
+            </a:endParaRPr>
           </a:p>
           <a:p>
             <a:pPr marL="0" indent="0">
               <a:lnSpc>
-                <a:spcPct val="70000"/>
+                <a:spcPct val="107000"/>
               </a:lnSpc>
               <a:spcAft>
                 <a:spcPts val="800"/>
@@ -3911,11 +3943,17 @@
               </a:rPr>
               <a:t>При каждом убийстве шкала наверху заполняется всё больше и больше.</a:t>
             </a:r>
+            <a:endParaRPr lang="ru-RU" sz="1200" dirty="0">
+              <a:effectLst/>
+              <a:latin typeface="Calibri" panose="020F0502020204030204" pitchFamily="34" charset="0"/>
+              <a:ea typeface="Calibri" panose="020F0502020204030204" pitchFamily="34" charset="0"/>
+              <a:cs typeface="Times New Roman" panose="02020603050405020304" pitchFamily="18" charset="0"/>
+            </a:endParaRPr>
           </a:p>
           <a:p>
             <a:pPr marL="0" indent="0">
               <a:lnSpc>
-                <a:spcPct val="70000"/>
+                <a:spcPct val="107000"/>
               </a:lnSpc>
               <a:spcAft>
                 <a:spcPts val="800"/>
@@ -3931,92 +3969,12 @@
               </a:rPr>
               <a:t>Когда она заполнится игроку будет доступен выбор из трёх улучшений.</a:t>
             </a:r>
-          </a:p>
-          <a:p>
-            <a:pPr marL="0" indent="0">
-              <a:lnSpc>
-                <a:spcPct val="70000"/>
-              </a:lnSpc>
-              <a:spcAft>
-                <a:spcPts val="800"/>
-              </a:spcAft>
-              <a:buNone/>
-            </a:pPr>
-            <a:r>
-              <a:rPr lang="ru-RU" sz="2400" dirty="0">
-                <a:effectLst/>
-                <a:latin typeface="Times New Roman" panose="02020603050405020304" pitchFamily="18" charset="0"/>
-                <a:ea typeface="Calibri" panose="020F0502020204030204" pitchFamily="34" charset="0"/>
-                <a:cs typeface="Times New Roman" panose="02020603050405020304" pitchFamily="18" charset="0"/>
-              </a:rPr>
-              <a:t>Если игрок подойдёт слишком близко к врагу, то потеряет очко здоровья, а враг</a:t>
-            </a:r>
-            <a:endParaRPr lang="en-US" sz="2400" dirty="0">
+            <a:endParaRPr lang="ru-RU" sz="1200" dirty="0">
               <a:effectLst/>
-              <a:latin typeface="Times New Roman" panose="02020603050405020304" pitchFamily="18" charset="0"/>
+              <a:latin typeface="Calibri" panose="020F0502020204030204" pitchFamily="34" charset="0"/>
               <a:ea typeface="Calibri" panose="020F0502020204030204" pitchFamily="34" charset="0"/>
               <a:cs typeface="Times New Roman" panose="02020603050405020304" pitchFamily="18" charset="0"/>
             </a:endParaRPr>
-          </a:p>
-          <a:p>
-            <a:pPr marL="0" indent="0">
-              <a:lnSpc>
-                <a:spcPct val="70000"/>
-              </a:lnSpc>
-              <a:spcAft>
-                <a:spcPts val="800"/>
-              </a:spcAft>
-              <a:buNone/>
-            </a:pPr>
-            <a:r>
-              <a:rPr lang="ru-RU" sz="2400" dirty="0">
-                <a:effectLst/>
-                <a:latin typeface="Times New Roman" panose="02020603050405020304" pitchFamily="18" charset="0"/>
-                <a:ea typeface="Calibri" panose="020F0502020204030204" pitchFamily="34" charset="0"/>
-                <a:cs typeface="Times New Roman" panose="02020603050405020304" pitchFamily="18" charset="0"/>
-              </a:rPr>
-              <a:t>исчезнет.</a:t>
-            </a:r>
-          </a:p>
-          <a:p>
-            <a:pPr marL="0" indent="0">
-              <a:lnSpc>
-                <a:spcPct val="70000"/>
-              </a:lnSpc>
-              <a:spcAft>
-                <a:spcPts val="800"/>
-              </a:spcAft>
-              <a:buNone/>
-            </a:pPr>
-            <a:r>
-              <a:rPr lang="ru-RU" sz="2400" dirty="0">
-                <a:effectLst/>
-                <a:latin typeface="Times New Roman" panose="02020603050405020304" pitchFamily="18" charset="0"/>
-                <a:ea typeface="Calibri" panose="020F0502020204030204" pitchFamily="34" charset="0"/>
-                <a:cs typeface="Times New Roman" panose="02020603050405020304" pitchFamily="18" charset="0"/>
-              </a:rPr>
-              <a:t>У игрока 3 очка здоровья.</a:t>
-            </a:r>
-          </a:p>
-          <a:p>
-            <a:pPr marL="0" indent="0">
-              <a:lnSpc>
-                <a:spcPct val="70000"/>
-              </a:lnSpc>
-              <a:spcAft>
-                <a:spcPts val="800"/>
-              </a:spcAft>
-              <a:buNone/>
-            </a:pPr>
-            <a:r>
-              <a:rPr lang="ru-RU" sz="2400" dirty="0">
-                <a:effectLst/>
-                <a:latin typeface="Times New Roman" panose="02020603050405020304" pitchFamily="18" charset="0"/>
-                <a:ea typeface="Calibri" panose="020F0502020204030204" pitchFamily="34" charset="0"/>
-                <a:cs typeface="Times New Roman" panose="02020603050405020304" pitchFamily="18" charset="0"/>
-              </a:rPr>
-              <a:t> </a:t>
-            </a:r>
           </a:p>
           <a:p>
             <a:pPr marL="0" indent="0">
@@ -4140,9 +4098,9 @@
                 <a:ea typeface="Calibri" panose="020F0502020204030204" pitchFamily="34" charset="0"/>
                 <a:cs typeface="Times New Roman" panose="02020603050405020304" pitchFamily="18" charset="0"/>
               </a:rPr>
-              <a:t>Враги и игрок реализованы на спрайтах. Начальный экран реализован на функции.</a:t>
-            </a:r>
-            <a:endParaRPr lang="ru-RU" sz="2400" dirty="0">
+              <a:t>На поле всегда появляются жёлтые или красные точки.</a:t>
+            </a:r>
+            <a:endParaRPr lang="ru-RU" sz="1200" dirty="0">
               <a:effectLst/>
               <a:latin typeface="Calibri" panose="020F0502020204030204" pitchFamily="34" charset="0"/>
               <a:ea typeface="Calibri" panose="020F0502020204030204" pitchFamily="34" charset="0"/>
@@ -4166,9 +4124,87 @@
                 <a:ea typeface="Calibri" panose="020F0502020204030204" pitchFamily="34" charset="0"/>
                 <a:cs typeface="Times New Roman" panose="02020603050405020304" pitchFamily="18" charset="0"/>
               </a:rPr>
-              <a:t>На начальном экране написаны правила.</a:t>
-            </a:r>
-            <a:endParaRPr lang="ru-RU" sz="2400" dirty="0">
+              <a:t>Жёлтые дают игроку опыт, что заполняет шкалу.</a:t>
+            </a:r>
+            <a:endParaRPr lang="ru-RU" sz="1200" dirty="0">
+              <a:effectLst/>
+              <a:latin typeface="Calibri" panose="020F0502020204030204" pitchFamily="34" charset="0"/>
+              <a:ea typeface="Calibri" panose="020F0502020204030204" pitchFamily="34" charset="0"/>
+              <a:cs typeface="Times New Roman" panose="02020603050405020304" pitchFamily="18" charset="0"/>
+            </a:endParaRPr>
+          </a:p>
+          <a:p>
+            <a:pPr marL="0" indent="0">
+              <a:lnSpc>
+                <a:spcPct val="107000"/>
+              </a:lnSpc>
+              <a:spcAft>
+                <a:spcPts val="800"/>
+              </a:spcAft>
+              <a:buNone/>
+            </a:pPr>
+            <a:r>
+              <a:rPr lang="ru-RU" sz="2400" dirty="0">
+                <a:effectLst/>
+                <a:latin typeface="Times New Roman" panose="02020603050405020304" pitchFamily="18" charset="0"/>
+                <a:ea typeface="Calibri" panose="020F0502020204030204" pitchFamily="34" charset="0"/>
+                <a:cs typeface="Times New Roman" panose="02020603050405020304" pitchFamily="18" charset="0"/>
+              </a:rPr>
+              <a:t>Красные дают игроку 1 очко здоровья.</a:t>
+            </a:r>
+            <a:endParaRPr lang="ru-RU" sz="1200" dirty="0">
+              <a:effectLst/>
+              <a:latin typeface="Calibri" panose="020F0502020204030204" pitchFamily="34" charset="0"/>
+              <a:ea typeface="Calibri" panose="020F0502020204030204" pitchFamily="34" charset="0"/>
+              <a:cs typeface="Times New Roman" panose="02020603050405020304" pitchFamily="18" charset="0"/>
+            </a:endParaRPr>
+          </a:p>
+          <a:p>
+            <a:pPr marL="0" indent="0">
+              <a:lnSpc>
+                <a:spcPct val="107000"/>
+              </a:lnSpc>
+              <a:spcAft>
+                <a:spcPts val="800"/>
+              </a:spcAft>
+              <a:buNone/>
+            </a:pPr>
+            <a:r>
+              <a:rPr lang="ru-RU" sz="2400" dirty="0">
+                <a:effectLst/>
+                <a:latin typeface="Times New Roman" panose="02020603050405020304" pitchFamily="18" charset="0"/>
+                <a:ea typeface="Calibri" panose="020F0502020204030204" pitchFamily="34" charset="0"/>
+                <a:cs typeface="Times New Roman" panose="02020603050405020304" pitchFamily="18" charset="0"/>
+              </a:rPr>
+              <a:t>Если игрок подойдёт слишком близко к врагу, то потеряет очко здоровья, а враг исчезнет.</a:t>
+            </a:r>
+            <a:endParaRPr lang="ru-RU" sz="1200" dirty="0">
+              <a:effectLst/>
+              <a:latin typeface="Calibri" panose="020F0502020204030204" pitchFamily="34" charset="0"/>
+              <a:ea typeface="Calibri" panose="020F0502020204030204" pitchFamily="34" charset="0"/>
+              <a:cs typeface="Times New Roman" panose="02020603050405020304" pitchFamily="18" charset="0"/>
+            </a:endParaRPr>
+          </a:p>
+          <a:p>
+            <a:pPr marL="0" indent="0">
+              <a:lnSpc>
+                <a:spcPct val="107000"/>
+              </a:lnSpc>
+              <a:spcAft>
+                <a:spcPts val="800"/>
+              </a:spcAft>
+              <a:buNone/>
+            </a:pPr>
+            <a:r>
+              <a:rPr lang="ru-RU" sz="2400" dirty="0">
+                <a:effectLst/>
+                <a:latin typeface="Times New Roman" panose="02020603050405020304" pitchFamily="18" charset="0"/>
+                <a:ea typeface="Calibri" panose="020F0502020204030204" pitchFamily="34" charset="0"/>
+                <a:cs typeface="Times New Roman" panose="02020603050405020304" pitchFamily="18" charset="0"/>
+              </a:rPr>
+              <a:t>У игрока 3 очка здоровья.</a:t>
+            </a:r>
+            <a:endParaRPr lang="ru-RU" sz="1200" dirty="0">
               <a:effectLst/>
               <a:latin typeface="Calibri" panose="020F0502020204030204" pitchFamily="34" charset="0"/>
               <a:ea typeface="Calibri" panose="020F0502020204030204" pitchFamily="34" charset="0"/>
@@ -4218,7 +4254,7 @@
           <p:cNvPr id="2" name="Заголовок 1">
             <a:extLst>
               <a:ext uri="{FF2B5EF4-FFF2-40B4-BE49-F238E27FC236}">
-                <a16:creationId xmlns:a16="http://schemas.microsoft.com/office/drawing/2014/main" id="{2D05D343-161E-42D1-86E3-48E2EA4E488C}"/>
+                <a16:creationId xmlns:a16="http://schemas.microsoft.com/office/drawing/2014/main" id="{050C83CD-7099-425A-A73D-358682D2B86A}"/>
               </a:ext>
             </a:extLst>
           </p:cNvPr>
@@ -4236,22 +4272,9 @@
           <a:p>
             <a:pPr algn="ctr"/>
             <a:r>
-              <a:rPr lang="ru-RU" sz="3600" dirty="0">
-                <a:effectLst/>
-                <a:latin typeface="Times New Roman" panose="02020603050405020304" pitchFamily="18" charset="0"/>
-                <a:ea typeface="Calibri" panose="020F0502020204030204" pitchFamily="34" charset="0"/>
-                <a:cs typeface="Times New Roman" panose="02020603050405020304" pitchFamily="18" charset="0"/>
-              </a:rPr>
-              <a:t>Используемые технологии:</a:t>
-            </a:r>
-            <a:br>
-              <a:rPr lang="ru-RU" sz="4400" dirty="0">
-                <a:effectLst/>
-                <a:latin typeface="Calibri" panose="020F0502020204030204" pitchFamily="34" charset="0"/>
-                <a:ea typeface="Calibri" panose="020F0502020204030204" pitchFamily="34" charset="0"/>
-                <a:cs typeface="Times New Roman" panose="02020603050405020304" pitchFamily="18" charset="0"/>
-              </a:rPr>
-            </a:br>
+              <a:rPr lang="en-US" dirty="0"/>
+              <a:t>Cube</a:t>
+            </a:r>
             <a:endParaRPr lang="ru-RU" dirty="0"/>
           </a:p>
         </p:txBody>
@@ -4261,7 +4284,7 @@
           <p:cNvPr id="3" name="Объект 2">
             <a:extLst>
               <a:ext uri="{FF2B5EF4-FFF2-40B4-BE49-F238E27FC236}">
-                <a16:creationId xmlns:a16="http://schemas.microsoft.com/office/drawing/2014/main" id="{36121574-F3D6-415F-AC24-19E14B7BF91C}"/>
+                <a16:creationId xmlns:a16="http://schemas.microsoft.com/office/drawing/2014/main" id="{B0B384FA-DB4C-4040-8CC2-6ACDBBB8DEF5}"/>
               </a:ext>
             </a:extLst>
           </p:cNvPr>
@@ -4277,83 +4300,25 @@
           <a:bodyPr/>
           <a:lstStyle/>
           <a:p>
-            <a:pPr marL="342900" lvl="0" indent="-342900">
-              <a:lnSpc>
-                <a:spcPct val="107000"/>
-              </a:lnSpc>
-              <a:buFont typeface="Symbol" panose="05050102010706020507" pitchFamily="18" charset="2"/>
-              <a:buChar char=""/>
-            </a:pPr>
-            <a:r>
-              <a:rPr lang="en-US" dirty="0">
-                <a:effectLst/>
-                <a:latin typeface="Times New Roman" panose="02020603050405020304" pitchFamily="18" charset="0"/>
-                <a:ea typeface="Calibri" panose="020F0502020204030204" pitchFamily="34" charset="0"/>
-                <a:cs typeface="Times New Roman" panose="02020603050405020304" pitchFamily="18" charset="0"/>
-              </a:rPr>
-              <a:t>Python 3.11</a:t>
-            </a:r>
-            <a:endParaRPr lang="ru-RU" dirty="0">
-              <a:effectLst/>
-              <a:latin typeface="Calibri" panose="020F0502020204030204" pitchFamily="34" charset="0"/>
-              <a:ea typeface="Calibri" panose="020F0502020204030204" pitchFamily="34" charset="0"/>
-              <a:cs typeface="Times New Roman" panose="02020603050405020304" pitchFamily="18" charset="0"/>
-            </a:endParaRPr>
-          </a:p>
-          <a:p>
-            <a:pPr marL="342900" lvl="0" indent="-342900">
-              <a:lnSpc>
-                <a:spcPct val="107000"/>
-              </a:lnSpc>
-              <a:buFont typeface="Symbol" panose="05050102010706020507" pitchFamily="18" charset="2"/>
-              <a:buChar char=""/>
-            </a:pPr>
-            <a:r>
-              <a:rPr lang="en-US" dirty="0">
-                <a:effectLst/>
-                <a:latin typeface="Times New Roman" panose="02020603050405020304" pitchFamily="18" charset="0"/>
-                <a:ea typeface="Calibri" panose="020F0502020204030204" pitchFamily="34" charset="0"/>
-                <a:cs typeface="Times New Roman" panose="02020603050405020304" pitchFamily="18" charset="0"/>
-              </a:rPr>
-              <a:t>Pygame</a:t>
-            </a:r>
-            <a:endParaRPr lang="ru-RU" dirty="0">
-              <a:effectLst/>
-              <a:latin typeface="Calibri" panose="020F0502020204030204" pitchFamily="34" charset="0"/>
-              <a:ea typeface="Calibri" panose="020F0502020204030204" pitchFamily="34" charset="0"/>
-              <a:cs typeface="Times New Roman" panose="02020603050405020304" pitchFamily="18" charset="0"/>
-            </a:endParaRPr>
-          </a:p>
-          <a:p>
-            <a:pPr marL="342900" lvl="0" indent="-342900">
+            <a:pPr marL="0" indent="0">
               <a:lnSpc>
                 <a:spcPct val="107000"/>
               </a:lnSpc>
               <a:spcAft>
                 <a:spcPts val="800"/>
               </a:spcAft>
-              <a:buFont typeface="Symbol" panose="05050102010706020507" pitchFamily="18" charset="2"/>
-              <a:buChar char=""/>
+              <a:buNone/>
             </a:pPr>
             <a:r>
-              <a:rPr lang="ru-RU" dirty="0">
+              <a:rPr lang="ru-RU" sz="2800" dirty="0">
                 <a:effectLst/>
                 <a:latin typeface="Times New Roman" panose="02020603050405020304" pitchFamily="18" charset="0"/>
                 <a:ea typeface="Calibri" panose="020F0502020204030204" pitchFamily="34" charset="0"/>
                 <a:cs typeface="Times New Roman" panose="02020603050405020304" pitchFamily="18" charset="0"/>
               </a:rPr>
-              <a:t>Библиотеки </a:t>
-            </a:r>
-            <a:r>
-              <a:rPr lang="en-US" dirty="0">
-                <a:effectLst/>
-                <a:latin typeface="Times New Roman" panose="02020603050405020304" pitchFamily="18" charset="0"/>
-                <a:ea typeface="Calibri" panose="020F0502020204030204" pitchFamily="34" charset="0"/>
-                <a:cs typeface="Times New Roman" panose="02020603050405020304" pitchFamily="18" charset="0"/>
-              </a:rPr>
-              <a:t>sys, random, os, threading</a:t>
-            </a:r>
-            <a:endParaRPr lang="ru-RU" dirty="0">
+              <a:t>Игрок находится на одном и том же месте. Движется его окружение. Создается иллюзия движения игрока.</a:t>
+            </a:r>
+            <a:endParaRPr lang="ru-RU" sz="1400" dirty="0">
               <a:effectLst/>
               <a:latin typeface="Calibri" panose="020F0502020204030204" pitchFamily="34" charset="0"/>
               <a:ea typeface="Calibri" panose="020F0502020204030204" pitchFamily="34" charset="0"/>
@@ -4361,6 +4326,792 @@
             </a:endParaRPr>
           </a:p>
           <a:p>
+            <a:pPr marL="0" indent="0">
+              <a:lnSpc>
+                <a:spcPct val="107000"/>
+              </a:lnSpc>
+              <a:spcAft>
+                <a:spcPts val="800"/>
+              </a:spcAft>
+              <a:buNone/>
+            </a:pPr>
+            <a:r>
+              <a:rPr lang="ru-RU" sz="2800" dirty="0">
+                <a:effectLst/>
+                <a:latin typeface="Times New Roman" panose="02020603050405020304" pitchFamily="18" charset="0"/>
+                <a:ea typeface="Calibri" panose="020F0502020204030204" pitchFamily="34" charset="0"/>
+                <a:cs typeface="Times New Roman" panose="02020603050405020304" pitchFamily="18" charset="0"/>
+              </a:rPr>
+              <a:t>Враги и игрок реализованы на спрайтах. Начальный экран реализован на функции.</a:t>
+            </a:r>
+            <a:endParaRPr lang="ru-RU" sz="1400" dirty="0">
+              <a:effectLst/>
+              <a:latin typeface="Calibri" panose="020F0502020204030204" pitchFamily="34" charset="0"/>
+              <a:ea typeface="Calibri" panose="020F0502020204030204" pitchFamily="34" charset="0"/>
+              <a:cs typeface="Times New Roman" panose="02020603050405020304" pitchFamily="18" charset="0"/>
+            </a:endParaRPr>
+          </a:p>
+          <a:p>
+            <a:pPr marL="0" indent="0">
+              <a:lnSpc>
+                <a:spcPct val="107000"/>
+              </a:lnSpc>
+              <a:spcAft>
+                <a:spcPts val="800"/>
+              </a:spcAft>
+              <a:buNone/>
+            </a:pPr>
+            <a:r>
+              <a:rPr lang="ru-RU" sz="2800" dirty="0">
+                <a:effectLst/>
+                <a:latin typeface="Times New Roman" panose="02020603050405020304" pitchFamily="18" charset="0"/>
+                <a:ea typeface="Calibri" panose="020F0502020204030204" pitchFamily="34" charset="0"/>
+                <a:cs typeface="Times New Roman" panose="02020603050405020304" pitchFamily="18" charset="0"/>
+              </a:rPr>
+              <a:t>На начальном экране написаны правила.</a:t>
+            </a:r>
+            <a:endParaRPr lang="ru-RU" sz="1400" dirty="0">
+              <a:effectLst/>
+              <a:latin typeface="Calibri" panose="020F0502020204030204" pitchFamily="34" charset="0"/>
+              <a:ea typeface="Calibri" panose="020F0502020204030204" pitchFamily="34" charset="0"/>
+              <a:cs typeface="Times New Roman" panose="02020603050405020304" pitchFamily="18" charset="0"/>
+            </a:endParaRPr>
+          </a:p>
+          <a:p>
+            <a:pPr marL="0" indent="0">
+              <a:buNone/>
+            </a:pPr>
+            <a:endParaRPr lang="ru-RU" dirty="0"/>
+          </a:p>
+        </p:txBody>
+      </p:sp>
+    </p:spTree>
+    <p:extLst>
+      <p:ext uri="{BB962C8B-B14F-4D97-AF65-F5344CB8AC3E}">
+        <p14:creationId xmlns:p14="http://schemas.microsoft.com/office/powerpoint/2010/main" val="1842918148"/>
+      </p:ext>
+    </p:extLst>
+  </p:cSld>
+  <p:clrMapOvr>
+    <a:masterClrMapping/>
+  </p:clrMapOvr>
+</p:sld>
+</file>
+
+<file path=ppt/slides/slide6.xml><?xml version="1.0" encoding="utf-8"?>
+<p:sld xmlns:a="http://schemas.openxmlformats.org/drawingml/2006/main" xmlns:r="http://schemas.openxmlformats.org/officeDocument/2006/relationships" xmlns:p="http://schemas.openxmlformats.org/presentationml/2006/main">
+  <p:cSld>
+    <p:spTree>
+      <p:nvGrpSpPr>
+        <p:cNvPr id="1" name=""/>
+        <p:cNvGrpSpPr/>
+        <p:nvPr/>
+      </p:nvGrpSpPr>
+      <p:grpSpPr>
+        <a:xfrm>
+          <a:off x="0" y="0"/>
+          <a:ext cx="0" cy="0"/>
+          <a:chOff x="0" y="0"/>
+          <a:chExt cx="0" cy="0"/>
+        </a:xfrm>
+      </p:grpSpPr>
+      <p:sp>
+        <p:nvSpPr>
+          <p:cNvPr id="2" name="Заголовок 1">
+            <a:extLst>
+              <a:ext uri="{FF2B5EF4-FFF2-40B4-BE49-F238E27FC236}">
+                <a16:creationId xmlns:a16="http://schemas.microsoft.com/office/drawing/2014/main" id="{050C83CD-7099-425A-A73D-358682D2B86A}"/>
+              </a:ext>
+            </a:extLst>
+          </p:cNvPr>
+          <p:cNvSpPr>
+            <a:spLocks noGrp="1"/>
+          </p:cNvSpPr>
+          <p:nvPr>
+            <p:ph type="title"/>
+          </p:nvPr>
+        </p:nvSpPr>
+        <p:spPr/>
+        <p:txBody>
+          <a:bodyPr/>
+          <a:lstStyle/>
+          <a:p>
+            <a:pPr algn="ctr"/>
+            <a:r>
+              <a:rPr lang="ru-RU" dirty="0"/>
+              <a:t>Реализация</a:t>
+            </a:r>
+          </a:p>
+        </p:txBody>
+      </p:sp>
+      <p:sp>
+        <p:nvSpPr>
+          <p:cNvPr id="3" name="Объект 2">
+            <a:extLst>
+              <a:ext uri="{FF2B5EF4-FFF2-40B4-BE49-F238E27FC236}">
+                <a16:creationId xmlns:a16="http://schemas.microsoft.com/office/drawing/2014/main" id="{B0B384FA-DB4C-4040-8CC2-6ACDBBB8DEF5}"/>
+              </a:ext>
+            </a:extLst>
+          </p:cNvPr>
+          <p:cNvSpPr>
+            <a:spLocks noGrp="1"/>
+          </p:cNvSpPr>
+          <p:nvPr>
+            <p:ph idx="1"/>
+          </p:nvPr>
+        </p:nvSpPr>
+        <p:spPr>
+          <a:xfrm>
+            <a:off x="838200" y="1426128"/>
+            <a:ext cx="10515600" cy="4750835"/>
+          </a:xfrm>
+        </p:spPr>
+        <p:txBody>
+          <a:bodyPr/>
+          <a:lstStyle/>
+          <a:p>
+            <a:pPr marL="0" indent="0">
+              <a:lnSpc>
+                <a:spcPct val="107000"/>
+              </a:lnSpc>
+              <a:spcAft>
+                <a:spcPts val="800"/>
+              </a:spcAft>
+              <a:buNone/>
+            </a:pPr>
+            <a:r>
+              <a:rPr lang="ru-RU" sz="2400" dirty="0">
+                <a:effectLst/>
+                <a:latin typeface="Times New Roman" panose="02020603050405020304" pitchFamily="18" charset="0"/>
+                <a:ea typeface="Calibri" panose="020F0502020204030204" pitchFamily="34" charset="0"/>
+                <a:cs typeface="Times New Roman" panose="02020603050405020304" pitchFamily="18" charset="0"/>
+              </a:rPr>
+              <a:t>В файле </a:t>
+            </a:r>
+            <a:r>
+              <a:rPr lang="en-US" sz="2400" dirty="0">
+                <a:effectLst/>
+                <a:latin typeface="Times New Roman" panose="02020603050405020304" pitchFamily="18" charset="0"/>
+                <a:ea typeface="Calibri" panose="020F0502020204030204" pitchFamily="34" charset="0"/>
+                <a:cs typeface="Times New Roman" panose="02020603050405020304" pitchFamily="18" charset="0"/>
+              </a:rPr>
+              <a:t>main</a:t>
+            </a:r>
+            <a:r>
+              <a:rPr lang="ru-RU" sz="2400" dirty="0">
+                <a:effectLst/>
+                <a:latin typeface="Times New Roman" panose="02020603050405020304" pitchFamily="18" charset="0"/>
+                <a:ea typeface="Calibri" panose="020F0502020204030204" pitchFamily="34" charset="0"/>
+                <a:cs typeface="Times New Roman" panose="02020603050405020304" pitchFamily="18" charset="0"/>
+              </a:rPr>
+              <a:t>.</a:t>
+            </a:r>
+            <a:r>
+              <a:rPr lang="en-US" sz="2400" dirty="0">
+                <a:effectLst/>
+                <a:latin typeface="Times New Roman" panose="02020603050405020304" pitchFamily="18" charset="0"/>
+                <a:ea typeface="Calibri" panose="020F0502020204030204" pitchFamily="34" charset="0"/>
+                <a:cs typeface="Times New Roman" panose="02020603050405020304" pitchFamily="18" charset="0"/>
+              </a:rPr>
+              <a:t>py </a:t>
+            </a:r>
+            <a:r>
+              <a:rPr lang="ru-RU" sz="2400" dirty="0">
+                <a:effectLst/>
+                <a:latin typeface="Times New Roman" panose="02020603050405020304" pitchFamily="18" charset="0"/>
+                <a:ea typeface="Calibri" panose="020F0502020204030204" pitchFamily="34" charset="0"/>
+                <a:cs typeface="Times New Roman" panose="02020603050405020304" pitchFamily="18" charset="0"/>
+              </a:rPr>
+              <a:t>содержится игра.</a:t>
+            </a:r>
+            <a:endParaRPr lang="ru-RU" sz="2400" dirty="0">
+              <a:effectLst/>
+              <a:latin typeface="Calibri" panose="020F0502020204030204" pitchFamily="34" charset="0"/>
+              <a:ea typeface="Calibri" panose="020F0502020204030204" pitchFamily="34" charset="0"/>
+              <a:cs typeface="Times New Roman" panose="02020603050405020304" pitchFamily="18" charset="0"/>
+            </a:endParaRPr>
+          </a:p>
+          <a:p>
+            <a:pPr marL="0" indent="0">
+              <a:lnSpc>
+                <a:spcPct val="107000"/>
+              </a:lnSpc>
+              <a:spcAft>
+                <a:spcPts val="800"/>
+              </a:spcAft>
+              <a:buNone/>
+            </a:pPr>
+            <a:r>
+              <a:rPr lang="ru-RU" sz="2400" dirty="0">
+                <a:effectLst/>
+                <a:latin typeface="Times New Roman" panose="02020603050405020304" pitchFamily="18" charset="0"/>
+                <a:ea typeface="Calibri" panose="020F0502020204030204" pitchFamily="34" charset="0"/>
+                <a:cs typeface="Times New Roman" panose="02020603050405020304" pitchFamily="18" charset="0"/>
+              </a:rPr>
+              <a:t>В файле </a:t>
+            </a:r>
+            <a:r>
+              <a:rPr lang="en-US" sz="2400" dirty="0">
+                <a:effectLst/>
+                <a:latin typeface="Times New Roman" panose="02020603050405020304" pitchFamily="18" charset="0"/>
+                <a:ea typeface="Calibri" panose="020F0502020204030204" pitchFamily="34" charset="0"/>
+                <a:cs typeface="Times New Roman" panose="02020603050405020304" pitchFamily="18" charset="0"/>
+              </a:rPr>
+              <a:t>testers</a:t>
+            </a:r>
+            <a:r>
+              <a:rPr lang="ru-RU" sz="2400" dirty="0">
+                <a:effectLst/>
+                <a:latin typeface="Times New Roman" panose="02020603050405020304" pitchFamily="18" charset="0"/>
+                <a:ea typeface="Calibri" panose="020F0502020204030204" pitchFamily="34" charset="0"/>
+                <a:cs typeface="Times New Roman" panose="02020603050405020304" pitchFamily="18" charset="0"/>
+              </a:rPr>
+              <a:t>.</a:t>
+            </a:r>
+            <a:r>
+              <a:rPr lang="en-US" sz="2400" dirty="0">
+                <a:effectLst/>
+                <a:latin typeface="Times New Roman" panose="02020603050405020304" pitchFamily="18" charset="0"/>
+                <a:ea typeface="Calibri" panose="020F0502020204030204" pitchFamily="34" charset="0"/>
+                <a:cs typeface="Times New Roman" panose="02020603050405020304" pitchFamily="18" charset="0"/>
+              </a:rPr>
+              <a:t>py </a:t>
+            </a:r>
+            <a:r>
+              <a:rPr lang="ru-RU" sz="2400" dirty="0">
+                <a:effectLst/>
+                <a:latin typeface="Times New Roman" panose="02020603050405020304" pitchFamily="18" charset="0"/>
+                <a:ea typeface="Calibri" panose="020F0502020204030204" pitchFamily="34" charset="0"/>
+                <a:cs typeface="Times New Roman" panose="02020603050405020304" pitchFamily="18" charset="0"/>
+              </a:rPr>
+              <a:t>содержится начальный экран.</a:t>
+            </a:r>
+            <a:endParaRPr lang="ru-RU" sz="2400" dirty="0">
+              <a:effectLst/>
+              <a:latin typeface="Calibri" panose="020F0502020204030204" pitchFamily="34" charset="0"/>
+              <a:ea typeface="Calibri" panose="020F0502020204030204" pitchFamily="34" charset="0"/>
+              <a:cs typeface="Times New Roman" panose="02020603050405020304" pitchFamily="18" charset="0"/>
+            </a:endParaRPr>
+          </a:p>
+          <a:p>
+            <a:pPr marL="0" indent="0">
+              <a:lnSpc>
+                <a:spcPct val="107000"/>
+              </a:lnSpc>
+              <a:spcAft>
+                <a:spcPts val="800"/>
+              </a:spcAft>
+              <a:buNone/>
+            </a:pPr>
+            <a:r>
+              <a:rPr lang="ru-RU" sz="2400" dirty="0">
+                <a:effectLst/>
+                <a:latin typeface="Times New Roman" panose="02020603050405020304" pitchFamily="18" charset="0"/>
+                <a:ea typeface="Calibri" panose="020F0502020204030204" pitchFamily="34" charset="0"/>
+                <a:cs typeface="Times New Roman" panose="02020603050405020304" pitchFamily="18" charset="0"/>
+              </a:rPr>
+              <a:t>В файле </a:t>
+            </a:r>
+            <a:r>
+              <a:rPr lang="en-US" sz="2400" dirty="0">
+                <a:effectLst/>
+                <a:latin typeface="Times New Roman" panose="02020603050405020304" pitchFamily="18" charset="0"/>
+                <a:ea typeface="Calibri" panose="020F0502020204030204" pitchFamily="34" charset="0"/>
+                <a:cs typeface="Times New Roman" panose="02020603050405020304" pitchFamily="18" charset="0"/>
+              </a:rPr>
+              <a:t>try</a:t>
+            </a:r>
+            <a:r>
+              <a:rPr lang="ru-RU" sz="2400" dirty="0">
+                <a:effectLst/>
+                <a:latin typeface="Times New Roman" panose="02020603050405020304" pitchFamily="18" charset="0"/>
+                <a:ea typeface="Calibri" panose="020F0502020204030204" pitchFamily="34" charset="0"/>
+                <a:cs typeface="Times New Roman" panose="02020603050405020304" pitchFamily="18" charset="0"/>
+              </a:rPr>
+              <a:t>.</a:t>
+            </a:r>
+            <a:r>
+              <a:rPr lang="en-US" sz="2400" dirty="0">
+                <a:effectLst/>
+                <a:latin typeface="Times New Roman" panose="02020603050405020304" pitchFamily="18" charset="0"/>
+                <a:ea typeface="Calibri" panose="020F0502020204030204" pitchFamily="34" charset="0"/>
+                <a:cs typeface="Times New Roman" panose="02020603050405020304" pitchFamily="18" charset="0"/>
+              </a:rPr>
+              <a:t>py </a:t>
+            </a:r>
+            <a:r>
+              <a:rPr lang="ru-RU" sz="2400" dirty="0">
+                <a:effectLst/>
+                <a:latin typeface="Times New Roman" panose="02020603050405020304" pitchFamily="18" charset="0"/>
+                <a:ea typeface="Calibri" panose="020F0502020204030204" pitchFamily="34" charset="0"/>
+                <a:cs typeface="Times New Roman" panose="02020603050405020304" pitchFamily="18" charset="0"/>
+              </a:rPr>
+              <a:t>— финальный экран.</a:t>
+            </a:r>
+            <a:endParaRPr lang="ru-RU" sz="2400" dirty="0">
+              <a:effectLst/>
+              <a:latin typeface="Calibri" panose="020F0502020204030204" pitchFamily="34" charset="0"/>
+              <a:ea typeface="Calibri" panose="020F0502020204030204" pitchFamily="34" charset="0"/>
+              <a:cs typeface="Times New Roman" panose="02020603050405020304" pitchFamily="18" charset="0"/>
+            </a:endParaRPr>
+          </a:p>
+          <a:p>
+            <a:pPr marL="0" indent="0">
+              <a:lnSpc>
+                <a:spcPct val="107000"/>
+              </a:lnSpc>
+              <a:spcAft>
+                <a:spcPts val="800"/>
+              </a:spcAft>
+              <a:buNone/>
+            </a:pPr>
+            <a:r>
+              <a:rPr lang="ru-RU" sz="2400" dirty="0">
+                <a:effectLst/>
+                <a:latin typeface="Times New Roman" panose="02020603050405020304" pitchFamily="18" charset="0"/>
+                <a:ea typeface="Times New Roman" panose="02020603050405020304" pitchFamily="18" charset="0"/>
+                <a:cs typeface="Times New Roman" panose="02020603050405020304" pitchFamily="18" charset="0"/>
+              </a:rPr>
+              <a:t>В файле </a:t>
+            </a:r>
+            <a:r>
+              <a:rPr lang="en-US" sz="2400" dirty="0">
+                <a:effectLst/>
+                <a:latin typeface="Times New Roman" panose="02020603050405020304" pitchFamily="18" charset="0"/>
+                <a:ea typeface="Times New Roman" panose="02020603050405020304" pitchFamily="18" charset="0"/>
+                <a:cs typeface="Times New Roman" panose="02020603050405020304" pitchFamily="18" charset="0"/>
+              </a:rPr>
+              <a:t>requirements</a:t>
+            </a:r>
+            <a:r>
+              <a:rPr lang="ru-RU" sz="2400" dirty="0">
+                <a:effectLst/>
+                <a:latin typeface="Times New Roman" panose="02020603050405020304" pitchFamily="18" charset="0"/>
+                <a:ea typeface="Times New Roman" panose="02020603050405020304" pitchFamily="18" charset="0"/>
+                <a:cs typeface="Times New Roman" panose="02020603050405020304" pitchFamily="18" charset="0"/>
+              </a:rPr>
+              <a:t>.</a:t>
+            </a:r>
+            <a:r>
+              <a:rPr lang="en-US" sz="2400" dirty="0">
+                <a:effectLst/>
+                <a:latin typeface="Times New Roman" panose="02020603050405020304" pitchFamily="18" charset="0"/>
+                <a:ea typeface="Times New Roman" panose="02020603050405020304" pitchFamily="18" charset="0"/>
+                <a:cs typeface="Times New Roman" panose="02020603050405020304" pitchFamily="18" charset="0"/>
+              </a:rPr>
+              <a:t>txt </a:t>
+            </a:r>
+            <a:r>
+              <a:rPr lang="ru-RU" sz="2400" dirty="0">
+                <a:effectLst/>
+                <a:latin typeface="Times New Roman" panose="02020603050405020304" pitchFamily="18" charset="0"/>
+                <a:ea typeface="Times New Roman" panose="02020603050405020304" pitchFamily="18" charset="0"/>
+                <a:cs typeface="Times New Roman" panose="02020603050405020304" pitchFamily="18" charset="0"/>
+              </a:rPr>
+              <a:t>— зависимости.</a:t>
+            </a:r>
+            <a:endParaRPr lang="ru-RU" sz="2400" dirty="0">
+              <a:effectLst/>
+              <a:latin typeface="Calibri" panose="020F0502020204030204" pitchFamily="34" charset="0"/>
+              <a:ea typeface="Calibri" panose="020F0502020204030204" pitchFamily="34" charset="0"/>
+              <a:cs typeface="Times New Roman" panose="02020603050405020304" pitchFamily="18" charset="0"/>
+            </a:endParaRPr>
+          </a:p>
+          <a:p>
+            <a:pPr marL="0" indent="0">
+              <a:lnSpc>
+                <a:spcPct val="107000"/>
+              </a:lnSpc>
+              <a:spcAft>
+                <a:spcPts val="800"/>
+              </a:spcAft>
+              <a:buNone/>
+            </a:pPr>
+            <a:r>
+              <a:rPr lang="ru-RU" sz="2400" dirty="0">
+                <a:effectLst/>
+                <a:latin typeface="Times New Roman" panose="02020603050405020304" pitchFamily="18" charset="0"/>
+                <a:ea typeface="Times New Roman" panose="02020603050405020304" pitchFamily="18" charset="0"/>
+                <a:cs typeface="Times New Roman" panose="02020603050405020304" pitchFamily="18" charset="0"/>
+              </a:rPr>
+              <a:t>В файле </a:t>
+            </a:r>
+            <a:r>
+              <a:rPr lang="en-US" sz="2400" dirty="0">
+                <a:effectLst/>
+                <a:latin typeface="Times New Roman" panose="02020603050405020304" pitchFamily="18" charset="0"/>
+                <a:ea typeface="Times New Roman" panose="02020603050405020304" pitchFamily="18" charset="0"/>
+                <a:cs typeface="Times New Roman" panose="02020603050405020304" pitchFamily="18" charset="0"/>
+              </a:rPr>
+              <a:t>tools</a:t>
+            </a:r>
+            <a:r>
+              <a:rPr lang="ru-RU" sz="2400" dirty="0">
+                <a:effectLst/>
+                <a:latin typeface="Times New Roman" panose="02020603050405020304" pitchFamily="18" charset="0"/>
+                <a:ea typeface="Times New Roman" panose="02020603050405020304" pitchFamily="18" charset="0"/>
+                <a:cs typeface="Times New Roman" panose="02020603050405020304" pitchFamily="18" charset="0"/>
+              </a:rPr>
+              <a:t>.</a:t>
+            </a:r>
+            <a:r>
+              <a:rPr lang="en-US" sz="2400" dirty="0">
+                <a:effectLst/>
+                <a:latin typeface="Times New Roman" panose="02020603050405020304" pitchFamily="18" charset="0"/>
+                <a:ea typeface="Times New Roman" panose="02020603050405020304" pitchFamily="18" charset="0"/>
+                <a:cs typeface="Times New Roman" panose="02020603050405020304" pitchFamily="18" charset="0"/>
+              </a:rPr>
+              <a:t>py </a:t>
+            </a:r>
+            <a:r>
+              <a:rPr lang="ru-RU" sz="2400" dirty="0">
+                <a:effectLst/>
+                <a:latin typeface="Times New Roman" panose="02020603050405020304" pitchFamily="18" charset="0"/>
+                <a:ea typeface="Times New Roman" panose="02020603050405020304" pitchFamily="18" charset="0"/>
+                <a:cs typeface="Times New Roman" panose="02020603050405020304" pitchFamily="18" charset="0"/>
+              </a:rPr>
+              <a:t>— константы, экраны и функции.</a:t>
+            </a:r>
+            <a:endParaRPr lang="ru-RU" sz="2400" dirty="0">
+              <a:effectLst/>
+              <a:latin typeface="Calibri" panose="020F0502020204030204" pitchFamily="34" charset="0"/>
+              <a:ea typeface="Calibri" panose="020F0502020204030204" pitchFamily="34" charset="0"/>
+              <a:cs typeface="Times New Roman" panose="02020603050405020304" pitchFamily="18" charset="0"/>
+            </a:endParaRPr>
+          </a:p>
+          <a:p>
+            <a:pPr marL="0" indent="0">
+              <a:lnSpc>
+                <a:spcPct val="107000"/>
+              </a:lnSpc>
+              <a:spcAft>
+                <a:spcPts val="800"/>
+              </a:spcAft>
+              <a:buNone/>
+            </a:pPr>
+            <a:r>
+              <a:rPr lang="en-US" sz="2400" dirty="0">
+                <a:effectLst/>
+                <a:latin typeface="Times New Roman" panose="02020603050405020304" pitchFamily="18" charset="0"/>
+                <a:ea typeface="Times New Roman" panose="02020603050405020304" pitchFamily="18" charset="0"/>
+                <a:cs typeface="Times New Roman" panose="02020603050405020304" pitchFamily="18" charset="0"/>
+              </a:rPr>
+              <a:t>data</a:t>
+            </a:r>
+            <a:r>
+              <a:rPr lang="ru-RU" sz="2400" dirty="0">
+                <a:effectLst/>
+                <a:latin typeface="Times New Roman" panose="02020603050405020304" pitchFamily="18" charset="0"/>
+                <a:ea typeface="Times New Roman" panose="02020603050405020304" pitchFamily="18" charset="0"/>
+                <a:cs typeface="Times New Roman" panose="02020603050405020304" pitchFamily="18" charset="0"/>
+              </a:rPr>
+              <a:t>2.</a:t>
+            </a:r>
+            <a:r>
+              <a:rPr lang="en-US" sz="2400" dirty="0" err="1">
+                <a:effectLst/>
+                <a:latin typeface="Times New Roman" panose="02020603050405020304" pitchFamily="18" charset="0"/>
+                <a:ea typeface="Times New Roman" panose="02020603050405020304" pitchFamily="18" charset="0"/>
+                <a:cs typeface="Times New Roman" panose="02020603050405020304" pitchFamily="18" charset="0"/>
+              </a:rPr>
+              <a:t>sqlite</a:t>
+            </a:r>
+            <a:r>
+              <a:rPr lang="en-US" sz="2400" dirty="0">
+                <a:effectLst/>
+                <a:latin typeface="Times New Roman" panose="02020603050405020304" pitchFamily="18" charset="0"/>
+                <a:ea typeface="Times New Roman" panose="02020603050405020304" pitchFamily="18" charset="0"/>
+                <a:cs typeface="Times New Roman" panose="02020603050405020304" pitchFamily="18" charset="0"/>
+              </a:rPr>
+              <a:t> </a:t>
+            </a:r>
+            <a:r>
+              <a:rPr lang="ru-RU" sz="2400" dirty="0">
+                <a:effectLst/>
+                <a:latin typeface="Times New Roman" panose="02020603050405020304" pitchFamily="18" charset="0"/>
+                <a:ea typeface="Times New Roman" panose="02020603050405020304" pitchFamily="18" charset="0"/>
+                <a:cs typeface="Times New Roman" panose="02020603050405020304" pitchFamily="18" charset="0"/>
+              </a:rPr>
+              <a:t>— база данных, где содержатся имена игроков и их количество очков.</a:t>
+            </a:r>
+            <a:endParaRPr lang="ru-RU" sz="2400" dirty="0">
+              <a:effectLst/>
+              <a:latin typeface="Calibri" panose="020F0502020204030204" pitchFamily="34" charset="0"/>
+              <a:ea typeface="Calibri" panose="020F0502020204030204" pitchFamily="34" charset="0"/>
+              <a:cs typeface="Times New Roman" panose="02020603050405020304" pitchFamily="18" charset="0"/>
+            </a:endParaRPr>
+          </a:p>
+          <a:p>
+            <a:pPr marL="0" indent="0">
+              <a:lnSpc>
+                <a:spcPct val="107000"/>
+              </a:lnSpc>
+              <a:spcAft>
+                <a:spcPts val="800"/>
+              </a:spcAft>
+              <a:buNone/>
+            </a:pPr>
+            <a:r>
+              <a:rPr lang="ru-RU" sz="2400" dirty="0">
+                <a:effectLst/>
+                <a:latin typeface="Times New Roman" panose="02020603050405020304" pitchFamily="18" charset="0"/>
+                <a:ea typeface="Times New Roman" panose="02020603050405020304" pitchFamily="18" charset="0"/>
+                <a:cs typeface="Times New Roman" panose="02020603050405020304" pitchFamily="18" charset="0"/>
+              </a:rPr>
+              <a:t>В папке </a:t>
+            </a:r>
+            <a:r>
+              <a:rPr lang="en-US" sz="2400" dirty="0">
+                <a:effectLst/>
+                <a:latin typeface="Times New Roman" panose="02020603050405020304" pitchFamily="18" charset="0"/>
+                <a:ea typeface="Times New Roman" panose="02020603050405020304" pitchFamily="18" charset="0"/>
+                <a:cs typeface="Times New Roman" panose="02020603050405020304" pitchFamily="18" charset="0"/>
+              </a:rPr>
+              <a:t>data </a:t>
+            </a:r>
+            <a:r>
+              <a:rPr lang="ru-RU" sz="2400" dirty="0">
+                <a:effectLst/>
+                <a:latin typeface="Times New Roman" panose="02020603050405020304" pitchFamily="18" charset="0"/>
+                <a:ea typeface="Times New Roman" panose="02020603050405020304" pitchFamily="18" charset="0"/>
+                <a:cs typeface="Times New Roman" panose="02020603050405020304" pitchFamily="18" charset="0"/>
+              </a:rPr>
+              <a:t>хранятся картинки.</a:t>
+            </a:r>
+            <a:endParaRPr lang="ru-RU" sz="2400" dirty="0">
+              <a:effectLst/>
+              <a:latin typeface="Calibri" panose="020F0502020204030204" pitchFamily="34" charset="0"/>
+              <a:ea typeface="Calibri" panose="020F0502020204030204" pitchFamily="34" charset="0"/>
+              <a:cs typeface="Times New Roman" panose="02020603050405020304" pitchFamily="18" charset="0"/>
+            </a:endParaRPr>
+          </a:p>
+          <a:p>
+            <a:pPr marL="0" indent="0">
+              <a:buNone/>
+            </a:pPr>
+            <a:endParaRPr lang="ru-RU" dirty="0"/>
+          </a:p>
+        </p:txBody>
+      </p:sp>
+    </p:spTree>
+    <p:extLst>
+      <p:ext uri="{BB962C8B-B14F-4D97-AF65-F5344CB8AC3E}">
+        <p14:creationId xmlns:p14="http://schemas.microsoft.com/office/powerpoint/2010/main" val="2849870886"/>
+      </p:ext>
+    </p:extLst>
+  </p:cSld>
+  <p:clrMapOvr>
+    <a:masterClrMapping/>
+  </p:clrMapOvr>
+</p:sld>
+</file>
+
+<file path=ppt/slides/slide7.xml><?xml version="1.0" encoding="utf-8"?>
+<p:sld xmlns:a="http://schemas.openxmlformats.org/drawingml/2006/main" xmlns:r="http://schemas.openxmlformats.org/officeDocument/2006/relationships" xmlns:p="http://schemas.openxmlformats.org/presentationml/2006/main">
+  <p:cSld>
+    <p:spTree>
+      <p:nvGrpSpPr>
+        <p:cNvPr id="1" name=""/>
+        <p:cNvGrpSpPr/>
+        <p:nvPr/>
+      </p:nvGrpSpPr>
+      <p:grpSpPr>
+        <a:xfrm>
+          <a:off x="0" y="0"/>
+          <a:ext cx="0" cy="0"/>
+          <a:chOff x="0" y="0"/>
+          <a:chExt cx="0" cy="0"/>
+        </a:xfrm>
+      </p:grpSpPr>
+      <p:sp>
+        <p:nvSpPr>
+          <p:cNvPr id="2" name="Заголовок 1">
+            <a:extLst>
+              <a:ext uri="{FF2B5EF4-FFF2-40B4-BE49-F238E27FC236}">
+                <a16:creationId xmlns:a16="http://schemas.microsoft.com/office/drawing/2014/main" id="{2D05D343-161E-42D1-86E3-48E2EA4E488C}"/>
+              </a:ext>
+            </a:extLst>
+          </p:cNvPr>
+          <p:cNvSpPr>
+            <a:spLocks noGrp="1"/>
+          </p:cNvSpPr>
+          <p:nvPr>
+            <p:ph type="title"/>
+          </p:nvPr>
+        </p:nvSpPr>
+        <p:spPr/>
+        <p:txBody>
+          <a:bodyPr/>
+          <a:lstStyle/>
+          <a:p>
+            <a:pPr algn="ctr"/>
+            <a:r>
+              <a:rPr lang="ru-RU" sz="3600" dirty="0">
+                <a:effectLst/>
+                <a:latin typeface="Times New Roman" panose="02020603050405020304" pitchFamily="18" charset="0"/>
+                <a:ea typeface="Calibri" panose="020F0502020204030204" pitchFamily="34" charset="0"/>
+                <a:cs typeface="Times New Roman" panose="02020603050405020304" pitchFamily="18" charset="0"/>
+              </a:rPr>
+              <a:t>Используемые технологии:</a:t>
+            </a:r>
+            <a:br>
+              <a:rPr lang="ru-RU" sz="4400" dirty="0">
+                <a:effectLst/>
+                <a:latin typeface="Calibri" panose="020F0502020204030204" pitchFamily="34" charset="0"/>
+                <a:ea typeface="Calibri" panose="020F0502020204030204" pitchFamily="34" charset="0"/>
+                <a:cs typeface="Times New Roman" panose="02020603050405020304" pitchFamily="18" charset="0"/>
+              </a:rPr>
+            </a:br>
+            <a:endParaRPr lang="ru-RU" dirty="0"/>
+          </a:p>
+        </p:txBody>
+      </p:sp>
+      <p:sp>
+        <p:nvSpPr>
+          <p:cNvPr id="3" name="Объект 2">
+            <a:extLst>
+              <a:ext uri="{FF2B5EF4-FFF2-40B4-BE49-F238E27FC236}">
+                <a16:creationId xmlns:a16="http://schemas.microsoft.com/office/drawing/2014/main" id="{36121574-F3D6-415F-AC24-19E14B7BF91C}"/>
+              </a:ext>
+            </a:extLst>
+          </p:cNvPr>
+          <p:cNvSpPr>
+            <a:spLocks noGrp="1"/>
+          </p:cNvSpPr>
+          <p:nvPr>
+            <p:ph idx="1"/>
+          </p:nvPr>
+        </p:nvSpPr>
+        <p:spPr/>
+        <p:txBody>
+          <a:bodyPr/>
+          <a:lstStyle/>
+          <a:p>
+            <a:pPr>
+              <a:lnSpc>
+                <a:spcPct val="107000"/>
+              </a:lnSpc>
+            </a:pPr>
+            <a:r>
+              <a:rPr lang="en-US" sz="2400" dirty="0">
+                <a:effectLst/>
+                <a:latin typeface="Times New Roman" panose="02020603050405020304" pitchFamily="18" charset="0"/>
+                <a:ea typeface="Calibri" panose="020F0502020204030204" pitchFamily="34" charset="0"/>
+                <a:cs typeface="Times New Roman" panose="02020603050405020304" pitchFamily="18" charset="0"/>
+              </a:rPr>
+              <a:t>Python 3.11</a:t>
+            </a:r>
+            <a:endParaRPr lang="ru-RU" sz="2400" dirty="0">
+              <a:effectLst/>
+              <a:latin typeface="Calibri" panose="020F0502020204030204" pitchFamily="34" charset="0"/>
+              <a:ea typeface="Calibri" panose="020F0502020204030204" pitchFamily="34" charset="0"/>
+              <a:cs typeface="Times New Roman" panose="02020603050405020304" pitchFamily="18" charset="0"/>
+            </a:endParaRPr>
+          </a:p>
+          <a:p>
+            <a:pPr>
+              <a:lnSpc>
+                <a:spcPct val="107000"/>
+              </a:lnSpc>
+            </a:pPr>
+            <a:r>
+              <a:rPr lang="en-US" sz="2400" dirty="0">
+                <a:effectLst/>
+                <a:latin typeface="Times New Roman" panose="02020603050405020304" pitchFamily="18" charset="0"/>
+                <a:ea typeface="Calibri" panose="020F0502020204030204" pitchFamily="34" charset="0"/>
+                <a:cs typeface="Times New Roman" panose="02020603050405020304" pitchFamily="18" charset="0"/>
+              </a:rPr>
+              <a:t>Pygame</a:t>
+            </a:r>
+            <a:endParaRPr lang="ru-RU" sz="2400" dirty="0">
+              <a:effectLst/>
+              <a:latin typeface="Calibri" panose="020F0502020204030204" pitchFamily="34" charset="0"/>
+              <a:ea typeface="Calibri" panose="020F0502020204030204" pitchFamily="34" charset="0"/>
+              <a:cs typeface="Times New Roman" panose="02020603050405020304" pitchFamily="18" charset="0"/>
+            </a:endParaRPr>
+          </a:p>
+          <a:p>
+            <a:pPr>
+              <a:lnSpc>
+                <a:spcPct val="107000"/>
+              </a:lnSpc>
+            </a:pPr>
+            <a:r>
+              <a:rPr lang="ru-RU" sz="2400" dirty="0">
+                <a:effectLst/>
+                <a:latin typeface="Times New Roman" panose="02020603050405020304" pitchFamily="18" charset="0"/>
+                <a:ea typeface="Calibri" panose="020F0502020204030204" pitchFamily="34" charset="0"/>
+                <a:cs typeface="Times New Roman" panose="02020603050405020304" pitchFamily="18" charset="0"/>
+              </a:rPr>
+              <a:t>Библиотеки </a:t>
+            </a:r>
+            <a:r>
+              <a:rPr lang="en-US" sz="2400" dirty="0">
+                <a:effectLst/>
+                <a:latin typeface="Times New Roman" panose="02020603050405020304" pitchFamily="18" charset="0"/>
+                <a:ea typeface="Calibri" panose="020F0502020204030204" pitchFamily="34" charset="0"/>
+                <a:cs typeface="Times New Roman" panose="02020603050405020304" pitchFamily="18" charset="0"/>
+              </a:rPr>
+              <a:t>sys, random, os, threading, math</a:t>
+            </a:r>
+            <a:endParaRPr lang="ru-RU" sz="2400" dirty="0">
+              <a:effectLst/>
+              <a:latin typeface="Calibri" panose="020F0502020204030204" pitchFamily="34" charset="0"/>
+              <a:ea typeface="Calibri" panose="020F0502020204030204" pitchFamily="34" charset="0"/>
+              <a:cs typeface="Times New Roman" panose="02020603050405020304" pitchFamily="18" charset="0"/>
+            </a:endParaRPr>
+          </a:p>
+          <a:p>
+            <a:pPr>
+              <a:lnSpc>
+                <a:spcPct val="107000"/>
+              </a:lnSpc>
+            </a:pPr>
+            <a:r>
+              <a:rPr lang="en-US" sz="2400" dirty="0">
+                <a:effectLst/>
+                <a:latin typeface="Times New Roman" panose="02020603050405020304" pitchFamily="18" charset="0"/>
+                <a:ea typeface="Calibri" panose="020F0502020204030204" pitchFamily="34" charset="0"/>
+                <a:cs typeface="Times New Roman" panose="02020603050405020304" pitchFamily="18" charset="0"/>
+              </a:rPr>
+              <a:t>pillow</a:t>
+            </a:r>
+            <a:endParaRPr lang="ru-RU" sz="2400" dirty="0">
+              <a:effectLst/>
+              <a:latin typeface="Calibri" panose="020F0502020204030204" pitchFamily="34" charset="0"/>
+              <a:ea typeface="Calibri" panose="020F0502020204030204" pitchFamily="34" charset="0"/>
+              <a:cs typeface="Times New Roman" panose="02020603050405020304" pitchFamily="18" charset="0"/>
+            </a:endParaRPr>
+          </a:p>
+          <a:p>
+            <a:pPr>
+              <a:lnSpc>
+                <a:spcPct val="107000"/>
+              </a:lnSpc>
+              <a:spcAft>
+                <a:spcPts val="800"/>
+              </a:spcAft>
+            </a:pPr>
+            <a:r>
+              <a:rPr lang="en-US" sz="2400" dirty="0">
+                <a:effectLst/>
+                <a:latin typeface="Times New Roman" panose="02020603050405020304" pitchFamily="18" charset="0"/>
+                <a:ea typeface="Calibri" panose="020F0502020204030204" pitchFamily="34" charset="0"/>
+                <a:cs typeface="Times New Roman" panose="02020603050405020304" pitchFamily="18" charset="0"/>
+              </a:rPr>
+              <a:t>Sqlite3</a:t>
+            </a:r>
+            <a:endParaRPr lang="ru-RU" sz="2400" dirty="0">
+              <a:effectLst/>
+              <a:latin typeface="Calibri" panose="020F0502020204030204" pitchFamily="34" charset="0"/>
+              <a:ea typeface="Calibri" panose="020F0502020204030204" pitchFamily="34" charset="0"/>
+              <a:cs typeface="Times New Roman" panose="02020603050405020304" pitchFamily="18" charset="0"/>
+            </a:endParaRPr>
+          </a:p>
+          <a:p>
+            <a:pPr marL="0" indent="0">
+              <a:buNone/>
+            </a:pPr>
             <a:endParaRPr lang="ru-RU" dirty="0"/>
           </a:p>
         </p:txBody>

--- a/Презентация.pptx
+++ b/Презентация.pptx
@@ -4728,68 +4728,6 @@
               <a:buNone/>
             </a:pPr>
             <a:r>
-              <a:rPr lang="ru-RU" sz="2400" dirty="0">
-                <a:effectLst/>
-                <a:latin typeface="Times New Roman" panose="02020603050405020304" pitchFamily="18" charset="0"/>
-                <a:ea typeface="Times New Roman" panose="02020603050405020304" pitchFamily="18" charset="0"/>
-                <a:cs typeface="Times New Roman" panose="02020603050405020304" pitchFamily="18" charset="0"/>
-              </a:rPr>
-              <a:t>В файле </a:t>
-            </a:r>
-            <a:r>
-              <a:rPr lang="en-US" sz="2400" dirty="0">
-                <a:effectLst/>
-                <a:latin typeface="Times New Roman" panose="02020603050405020304" pitchFamily="18" charset="0"/>
-                <a:ea typeface="Times New Roman" panose="02020603050405020304" pitchFamily="18" charset="0"/>
-                <a:cs typeface="Times New Roman" panose="02020603050405020304" pitchFamily="18" charset="0"/>
-              </a:rPr>
-              <a:t>tools</a:t>
-            </a:r>
-            <a:r>
-              <a:rPr lang="ru-RU" sz="2400" dirty="0">
-                <a:effectLst/>
-                <a:latin typeface="Times New Roman" panose="02020603050405020304" pitchFamily="18" charset="0"/>
-                <a:ea typeface="Times New Roman" panose="02020603050405020304" pitchFamily="18" charset="0"/>
-                <a:cs typeface="Times New Roman" panose="02020603050405020304" pitchFamily="18" charset="0"/>
-              </a:rPr>
-              <a:t>.</a:t>
-            </a:r>
-            <a:r>
-              <a:rPr lang="en-US" sz="2400" dirty="0">
-                <a:effectLst/>
-                <a:latin typeface="Times New Roman" panose="02020603050405020304" pitchFamily="18" charset="0"/>
-                <a:ea typeface="Times New Roman" panose="02020603050405020304" pitchFamily="18" charset="0"/>
-                <a:cs typeface="Times New Roman" panose="02020603050405020304" pitchFamily="18" charset="0"/>
-              </a:rPr>
-              <a:t>py </a:t>
-            </a:r>
-            <a:r>
-              <a:rPr lang="ru-RU" sz="2400" dirty="0">
-                <a:effectLst/>
-                <a:latin typeface="Times New Roman" panose="02020603050405020304" pitchFamily="18" charset="0"/>
-                <a:ea typeface="Times New Roman" panose="02020603050405020304" pitchFamily="18" charset="0"/>
-                <a:cs typeface="Times New Roman" panose="02020603050405020304" pitchFamily="18" charset="0"/>
-              </a:rPr>
-              <a:t>— константы, экраны и функции.</a:t>
-            </a:r>
-            <a:endParaRPr lang="ru-RU" sz="2400" dirty="0">
-              <a:effectLst/>
-              <a:latin typeface="Calibri" panose="020F0502020204030204" pitchFamily="34" charset="0"/>
-              <a:ea typeface="Calibri" panose="020F0502020204030204" pitchFamily="34" charset="0"/>
-              <a:cs typeface="Times New Roman" panose="02020603050405020304" pitchFamily="18" charset="0"/>
-            </a:endParaRPr>
-          </a:p>
-          <a:p>
-            <a:pPr marL="0" indent="0">
-              <a:lnSpc>
-                <a:spcPct val="107000"/>
-              </a:lnSpc>
-              <a:spcAft>
-                <a:spcPts val="800"/>
-              </a:spcAft>
-              <a:buNone/>
-            </a:pPr>
-            <a:r>
               <a:rPr lang="en-US" sz="2400" dirty="0">
                 <a:effectLst/>
                 <a:latin typeface="Times New Roman" panose="02020603050405020304" pitchFamily="18" charset="0"/>
